--- a/Docs/Seeding an express APP.pptx
+++ b/Docs/Seeding an express APP.pptx
@@ -4295,7 +4295,7 @@
           <a:blip r:embed="rId2">
             <a:extLst>
               <a:ext uri="{96DAC541-7B7A-43D3-8B79-37D633B846F1}">
-                <asvg:svgBlip xmlns="" xmlns:asvg="http://schemas.microsoft.com/office/drawing/2016/SVG/main" r:embed="rId4"/>
+                <asvg:svgBlip xmlns:asvg="http://schemas.microsoft.com/office/drawing/2016/SVG/main" xmlns="" r:embed="rId4"/>
               </a:ext>
             </a:extLst>
           </a:blip>
@@ -4851,7 +4851,6 @@
               <a:rPr lang="en-US" sz="2400" cap="none" dirty="0"/>
               <a:t> Krishna</a:t>
             </a:r>
-            <a:endParaRPr lang="en-US" sz="2400" cap="none" dirty="0"/>
           </a:p>
         </p:txBody>
       </p:sp>
@@ -4937,7 +4936,6 @@
               <a:rPr lang="en-US" sz="2400" cap="none" dirty="0"/>
               <a:t>Pavan</a:t>
             </a:r>
-            <a:endParaRPr lang="en-US" sz="2400" cap="none" dirty="0"/>
           </a:p>
         </p:txBody>
       </p:sp>
@@ -5049,8 +5047,8 @@
         </p:blipFill>
         <p:spPr>
           <a:xfrm>
-            <a:off x="3213143" y="1257475"/>
-            <a:ext cx="2891598" cy="3513909"/>
+            <a:off x="3213143" y="1329647"/>
+            <a:ext cx="3160844" cy="3369568"/>
           </a:xfrm>
           <a:prstGeom prst="rect">
             <a:avLst/>
@@ -5234,7 +5232,7 @@
           <a:blip r:embed="rId2">
             <a:extLst>
               <a:ext uri="{96DAC541-7B7A-43D3-8B79-37D633B846F1}">
-                <asvg:svgBlip xmlns="" xmlns:asvg="http://schemas.microsoft.com/office/drawing/2016/SVG/main" r:embed="rId4"/>
+                <asvg:svgBlip xmlns:asvg="http://schemas.microsoft.com/office/drawing/2016/SVG/main" xmlns="" r:embed="rId4"/>
               </a:ext>
             </a:extLst>
           </a:blip>
@@ -5456,7 +5454,7 @@
           <a:blip r:embed="rId2">
             <a:extLst>
               <a:ext uri="{96DAC541-7B7A-43D3-8B79-37D633B846F1}">
-                <asvg:svgBlip xmlns="" xmlns:asvg="http://schemas.microsoft.com/office/drawing/2016/SVG/main" r:embed="rId4"/>
+                <asvg:svgBlip xmlns:asvg="http://schemas.microsoft.com/office/drawing/2016/SVG/main" xmlns="" r:embed="rId4"/>
               </a:ext>
             </a:extLst>
           </a:blip>
@@ -5637,7 +5635,7 @@
           <a:blip r:embed="rId2">
             <a:extLst>
               <a:ext uri="{96DAC541-7B7A-43D3-8B79-37D633B846F1}">
-                <asvg:svgBlip xmlns="" xmlns:asvg="http://schemas.microsoft.com/office/drawing/2016/SVG/main" r:embed="rId4"/>
+                <asvg:svgBlip xmlns:asvg="http://schemas.microsoft.com/office/drawing/2016/SVG/main" xmlns="" r:embed="rId4"/>
               </a:ext>
             </a:extLst>
           </a:blip>
@@ -5964,7 +5962,7 @@
           <a:blip r:embed="rId2">
             <a:extLst>
               <a:ext uri="{96DAC541-7B7A-43D3-8B79-37D633B846F1}">
-                <asvg:svgBlip xmlns="" xmlns:asvg="http://schemas.microsoft.com/office/drawing/2016/SVG/main" r:embed="rId4"/>
+                <asvg:svgBlip xmlns:asvg="http://schemas.microsoft.com/office/drawing/2016/SVG/main" xmlns="" r:embed="rId4"/>
               </a:ext>
             </a:extLst>
           </a:blip>
@@ -6286,7 +6284,7 @@
           <a:blip r:embed="rId2">
             <a:extLst>
               <a:ext uri="{96DAC541-7B7A-43D3-8B79-37D633B846F1}">
-                <asvg:svgBlip xmlns="" xmlns:asvg="http://schemas.microsoft.com/office/drawing/2016/SVG/main" r:embed="rId4"/>
+                <asvg:svgBlip xmlns:asvg="http://schemas.microsoft.com/office/drawing/2016/SVG/main" xmlns="" r:embed="rId4"/>
               </a:ext>
             </a:extLst>
           </a:blip>
@@ -6643,6 +6641,15 @@
 </file>
 
 <file path=customXml/item2.xml><?xml version="1.0" encoding="utf-8"?>
+<?mso-contentType ?>
+<FormTemplates xmlns="http://schemas.microsoft.com/sharepoint/v3/contenttype/forms">
+  <Display>DocumentLibraryForm</Display>
+  <Edit>DocumentLibraryForm</Edit>
+  <New>DocumentLibraryForm</New>
+</FormTemplates>
+</file>
+
+<file path=customXml/item3.xml><?xml version="1.0" encoding="utf-8"?>
 <ct:contentTypeSchema xmlns:ct="http://schemas.microsoft.com/office/2006/metadata/contentType" xmlns:ma="http://schemas.microsoft.com/office/2006/metadata/properties/metaAttributes" ct:_="" ma:_="" ma:contentTypeName="Document" ma:contentTypeID="0x010100DEEA25CC0A0AC24199CDC46C25B8B0BC" ma:contentTypeVersion="10" ma:contentTypeDescription="Create a new document." ma:contentTypeScope="" ma:versionID="e3b47856d4cf355c0dacb39e1084d14f">
   <xsd:schema xmlns:xsd="http://www.w3.org/2001/XMLSchema" xmlns:xs="http://www.w3.org/2001/XMLSchema" xmlns:p="http://schemas.microsoft.com/office/2006/metadata/properties" xmlns:ns1="http://schemas.microsoft.com/sharepoint/v3" xmlns:ns2="6dc4bcd6-49db-4c07-9060-8acfc67cef9f" xmlns:ns3="fb0879af-3eba-417a-a55a-ffe6dcd6ca77" targetNamespace="http://schemas.microsoft.com/office/2006/metadata/properties" ma:root="true" ma:fieldsID="a845a615265fdb1f7b12cc65ac20ecbd" ns1:_="" ns2:_="" ns3:_="">
     <xsd:import namespace="http://schemas.microsoft.com/sharepoint/v3"/>
@@ -6850,15 +6857,6 @@
 </ct:contentTypeSchema>
 </file>
 
-<file path=customXml/item3.xml><?xml version="1.0" encoding="utf-8"?>
-<?mso-contentType ?>
-<FormTemplates xmlns="http://schemas.microsoft.com/sharepoint/v3/contenttype/forms">
-  <Display>DocumentLibraryForm</Display>
-  <Edit>DocumentLibraryForm</Edit>
-  <New>DocumentLibraryForm</New>
-</FormTemplates>
-</file>
-
 <file path=customXml/itemProps1.xml><?xml version="1.0" encoding="utf-8"?>
 <ds:datastoreItem xmlns:ds="http://schemas.openxmlformats.org/officeDocument/2006/customXml" ds:itemID="{816B76F2-1AE1-4A2A-A5B3-D462CC5E81F8}">
   <ds:schemaRefs>
@@ -6870,6 +6868,14 @@
 </file>
 
 <file path=customXml/itemProps2.xml><?xml version="1.0" encoding="utf-8"?>
+<ds:datastoreItem xmlns:ds="http://schemas.openxmlformats.org/officeDocument/2006/customXml" ds:itemID="{30ECC70E-6674-4337-B48B-AF4F8832F1E5}">
+  <ds:schemaRefs>
+    <ds:schemaRef ds:uri="http://schemas.microsoft.com/sharepoint/v3/contenttype/forms"/>
+  </ds:schemaRefs>
+</ds:datastoreItem>
+</file>
+
+<file path=customXml/itemProps3.xml><?xml version="1.0" encoding="utf-8"?>
 <ds:datastoreItem xmlns:ds="http://schemas.openxmlformats.org/officeDocument/2006/customXml" ds:itemID="{D2BAE40F-4B14-4E0B-9265-745AD5E2D42F}">
   <ds:schemaRefs>
     <ds:schemaRef ds:uri="http://schemas.microsoft.com/office/2006/metadata/contentType"/>
@@ -6887,12 +6893,4 @@
     <ds:schemaRef ds:uri="http://schemas.microsoft.com/internal/obd"/>
   </ds:schemaRefs>
 </ds:datastoreItem>
-</file>
-
-<file path=customXml/itemProps3.xml><?xml version="1.0" encoding="utf-8"?>
-<ds:datastoreItem xmlns:ds="http://schemas.openxmlformats.org/officeDocument/2006/customXml" ds:itemID="{30ECC70E-6674-4337-B48B-AF4F8832F1E5}">
-  <ds:schemaRefs>
-    <ds:schemaRef ds:uri="http://schemas.microsoft.com/sharepoint/v3/contenttype/forms"/>
-  </ds:schemaRefs>
-</ds:datastoreItem>
 </file>
--- a/Docs/Seeding an express APP.pptx
+++ b/Docs/Seeding an express APP.pptx
@@ -9,16 +9,17 @@
     <p:sldId id="257" r:id="rId6"/>
     <p:sldId id="258" r:id="rId7"/>
     <p:sldId id="259" r:id="rId8"/>
-    <p:sldId id="260" r:id="rId9"/>
-    <p:sldId id="265" r:id="rId10"/>
-    <p:sldId id="268" r:id="rId11"/>
-    <p:sldId id="266" r:id="rId12"/>
-    <p:sldId id="273" r:id="rId13"/>
-    <p:sldId id="269" r:id="rId14"/>
-    <p:sldId id="274" r:id="rId15"/>
-    <p:sldId id="275" r:id="rId16"/>
-    <p:sldId id="271" r:id="rId17"/>
-    <p:sldId id="264" r:id="rId18"/>
+    <p:sldId id="276" r:id="rId9"/>
+    <p:sldId id="260" r:id="rId10"/>
+    <p:sldId id="265" r:id="rId11"/>
+    <p:sldId id="268" r:id="rId12"/>
+    <p:sldId id="266" r:id="rId13"/>
+    <p:sldId id="273" r:id="rId14"/>
+    <p:sldId id="269" r:id="rId15"/>
+    <p:sldId id="274" r:id="rId16"/>
+    <p:sldId id="275" r:id="rId17"/>
+    <p:sldId id="271" r:id="rId18"/>
+    <p:sldId id="264" r:id="rId19"/>
   </p:sldIdLst>
   <p:sldSz cx="12192000" cy="6858000"/>
   <p:notesSz cx="6858000" cy="9144000"/>
@@ -269,7 +270,7 @@
           <a:p>
             <a:fld id="{2D202488-4139-4052-B998-251C9C912739}" type="datetimeFigureOut">
               <a:rPr lang="en-US" smtClean="0"/>
-              <a:t>3/18/2019</a:t>
+              <a:t>3/20/2019</a:t>
             </a:fld>
             <a:endParaRPr lang="en-US"/>
           </a:p>
@@ -721,7 +722,7 @@
             <a:fld id="{2D202488-4139-4052-B998-251C9C912739}" type="datetimeFigureOut">
               <a:rPr lang="en-US" smtClean="0"/>
               <a:pPr/>
-              <a:t>3/18/2019</a:t>
+              <a:t>3/20/2019</a:t>
             </a:fld>
             <a:endParaRPr lang="en-US"/>
           </a:p>
@@ -905,7 +906,7 @@
           <a:p>
             <a:fld id="{2D202488-4139-4052-B998-251C9C912739}" type="datetimeFigureOut">
               <a:rPr lang="en-US" smtClean="0"/>
-              <a:t>3/18/2019</a:t>
+              <a:t>3/20/2019</a:t>
             </a:fld>
             <a:endParaRPr lang="en-US"/>
           </a:p>
@@ -1214,7 +1215,7 @@
           <a:p>
             <a:fld id="{2D202488-4139-4052-B998-251C9C912739}" type="datetimeFigureOut">
               <a:rPr lang="en-US" smtClean="0"/>
-              <a:t>3/18/2019</a:t>
+              <a:t>3/20/2019</a:t>
             </a:fld>
             <a:endParaRPr lang="en-US"/>
           </a:p>
@@ -1455,7 +1456,7 @@
           <a:p>
             <a:fld id="{2D202488-4139-4052-B998-251C9C912739}" type="datetimeFigureOut">
               <a:rPr lang="en-US" smtClean="0"/>
-              <a:t>3/18/2019</a:t>
+              <a:t>3/20/2019</a:t>
             </a:fld>
             <a:endParaRPr lang="en-US"/>
           </a:p>
@@ -1879,7 +1880,7 @@
           <a:p>
             <a:fld id="{2D202488-4139-4052-B998-251C9C912739}" type="datetimeFigureOut">
               <a:rPr lang="en-US" smtClean="0"/>
-              <a:t>3/18/2019</a:t>
+              <a:t>3/20/2019</a:t>
             </a:fld>
             <a:endParaRPr lang="en-US"/>
           </a:p>
@@ -2041,7 +2042,7 @@
           <a:p>
             <a:fld id="{2D202488-4139-4052-B998-251C9C912739}" type="datetimeFigureOut">
               <a:rPr lang="en-US" smtClean="0"/>
-              <a:t>3/18/2019</a:t>
+              <a:t>3/20/2019</a:t>
             </a:fld>
             <a:endParaRPr lang="en-US"/>
           </a:p>
@@ -2203,7 +2204,7 @@
           <a:p>
             <a:fld id="{2D202488-4139-4052-B998-251C9C912739}" type="datetimeFigureOut">
               <a:rPr lang="en-US" smtClean="0"/>
-              <a:t>3/18/2019</a:t>
+              <a:t>3/20/2019</a:t>
             </a:fld>
             <a:endParaRPr lang="en-US"/>
           </a:p>
@@ -2421,7 +2422,7 @@
           <a:p>
             <a:fld id="{2D202488-4139-4052-B998-251C9C912739}" type="datetimeFigureOut">
               <a:rPr lang="en-US" smtClean="0"/>
-              <a:t>3/18/2019</a:t>
+              <a:t>3/20/2019</a:t>
             </a:fld>
             <a:endParaRPr lang="en-US"/>
           </a:p>
@@ -2705,7 +2706,7 @@
           <a:p>
             <a:fld id="{2D202488-4139-4052-B998-251C9C912739}" type="datetimeFigureOut">
               <a:rPr lang="en-US" smtClean="0"/>
-              <a:t>3/18/2019</a:t>
+              <a:t>3/20/2019</a:t>
             </a:fld>
             <a:endParaRPr lang="en-US"/>
           </a:p>
@@ -3488,7 +3489,7 @@
             <a:fld id="{2D202488-4139-4052-B998-251C9C912739}" type="datetimeFigureOut">
               <a:rPr lang="en-US" smtClean="0"/>
               <a:pPr/>
-              <a:t>3/18/2019</a:t>
+              <a:t>3/20/2019</a:t>
             </a:fld>
             <a:endParaRPr lang="en-US"/>
           </a:p>
@@ -4027,69 +4028,84 @@
           <a:chExt cx="0" cy="0"/>
         </a:xfrm>
       </p:grpSpPr>
+      <p:sp>
+        <p:nvSpPr>
+          <p:cNvPr id="2" name="Title 1">
+            <a:extLst>
+              <a:ext uri="{FF2B5EF4-FFF2-40B4-BE49-F238E27FC236}">
+                <a16:creationId xmlns:a16="http://schemas.microsoft.com/office/drawing/2014/main" id="{5A29E978-9605-417C-951F-53F4926CFF1A}"/>
+              </a:ext>
+            </a:extLst>
+          </p:cNvPr>
+          <p:cNvSpPr>
+            <a:spLocks noGrp="1"/>
+          </p:cNvSpPr>
+          <p:nvPr>
+            <p:ph type="title" idx="4294967295"/>
+          </p:nvPr>
+        </p:nvSpPr>
+        <p:spPr>
+          <a:xfrm>
+            <a:off x="1954257" y="2213795"/>
+            <a:ext cx="9610725" cy="601662"/>
+          </a:xfrm>
+        </p:spPr>
+        <p:txBody>
+          <a:bodyPr>
+            <a:noAutofit/>
+          </a:bodyPr>
+          <a:lstStyle/>
+          <a:p>
+            <a:r>
+              <a:rPr lang="en-US" sz="6600" cap="none" dirty="0" smtClean="0"/>
+              <a:t>Getting data from DB</a:t>
+            </a:r>
+            <a:endParaRPr lang="en-US" sz="6600" cap="none" dirty="0"/>
+          </a:p>
+        </p:txBody>
+      </p:sp>
       <p:pic>
         <p:nvPicPr>
-          <p:cNvPr id="2" name="Picture 1"/>
+          <p:cNvPr id="7" name="Graphic 6" descr="Gears">
+            <a:extLst>
+              <a:ext uri="{FF2B5EF4-FFF2-40B4-BE49-F238E27FC236}">
+                <a16:creationId xmlns:a16="http://schemas.microsoft.com/office/drawing/2014/main" id="{DA9595F8-50AF-4C85-9BC5-B52646E113FB}"/>
+              </a:ext>
+            </a:extLst>
+          </p:cNvPr>
           <p:cNvPicPr>
             <a:picLocks noChangeAspect="1"/>
           </p:cNvPicPr>
           <p:nvPr/>
         </p:nvPicPr>
         <p:blipFill>
-          <a:blip r:embed="rId2"/>
+          <a:blip r:embed="rId2">
+            <a:extLst>
+              <a:ext uri="{96DAC541-7B7A-43D3-8B79-37D633B846F1}">
+                <asvg:svgBlip xmlns:asvg="http://schemas.microsoft.com/office/drawing/2016/SVG/main" xmlns="" r:embed="rId4"/>
+              </a:ext>
+            </a:extLst>
+          </a:blip>
           <a:stretch>
             <a:fillRect/>
           </a:stretch>
         </p:blipFill>
         <p:spPr>
           <a:xfrm>
-            <a:off x="903786" y="94977"/>
-            <a:ext cx="5734050" cy="5962650"/>
+            <a:off x="9616458" y="2197646"/>
+            <a:ext cx="1122450" cy="1122450"/>
           </a:xfrm>
           <a:prstGeom prst="rect">
             <a:avLst/>
           </a:prstGeom>
         </p:spPr>
       </p:pic>
-      <p:cxnSp>
-        <p:nvCxnSpPr>
-          <p:cNvPr id="4" name="Straight Arrow Connector 3"/>
-          <p:cNvCxnSpPr/>
-          <p:nvPr/>
-        </p:nvCxnSpPr>
-        <p:spPr>
-          <a:xfrm>
-            <a:off x="4023360" y="3788229"/>
-            <a:ext cx="4088674" cy="13062"/>
-          </a:xfrm>
-          <a:prstGeom prst="straightConnector1">
-            <a:avLst/>
-          </a:prstGeom>
-          <a:ln w="31750">
-            <a:tailEnd type="triangle"/>
-          </a:ln>
-        </p:spPr>
-        <p:style>
-          <a:lnRef idx="3">
-            <a:schemeClr val="accent1"/>
-          </a:lnRef>
-          <a:fillRef idx="0">
-            <a:schemeClr val="accent1"/>
-          </a:fillRef>
-          <a:effectRef idx="2">
-            <a:schemeClr val="accent1"/>
-          </a:effectRef>
-          <a:fontRef idx="minor">
-            <a:schemeClr val="tx1"/>
-          </a:fontRef>
-        </p:style>
-      </p:cxnSp>
-      <p:sp>
-        <p:nvSpPr>
-          <p:cNvPr id="5" name="Title 1">
+      <p:sp>
+        <p:nvSpPr>
+          <p:cNvPr id="4" name="Title 1">
             <a:extLst>
               <a:ext uri="{FF2B5EF4-FFF2-40B4-BE49-F238E27FC236}">
-                <a16:creationId xmlns:a16="http://schemas.microsoft.com/office/drawing/2014/main" id="{5A29E978-9605-417C-951F-53F4926CFF1A}"/>
+                <a16:creationId xmlns:a16="http://schemas.microsoft.com/office/drawing/2014/main" id="{B569CD3E-5E33-4EB5-A2CE-C636605E633F}"/>
               </a:ext>
             </a:extLst>
           </p:cNvPr>
@@ -4100,8 +4116,8 @@
         </p:nvSpPr>
         <p:spPr>
           <a:xfrm>
-            <a:off x="8224813" y="3500460"/>
-            <a:ext cx="4289245" cy="601662"/>
+            <a:off x="11151326" y="6333331"/>
+            <a:ext cx="9604375" cy="1049337"/>
           </a:xfrm>
           <a:prstGeom prst="rect">
             <a:avLst/>
@@ -4133,62 +4149,6 @@
           </a:lstStyle>
           <a:p>
             <a:r>
-              <a:rPr lang="en-US" cap="none" dirty="0" smtClean="0"/>
-              <a:t>Retrieving array of objects from DB</a:t>
-            </a:r>
-            <a:endParaRPr lang="en-US" cap="none" dirty="0"/>
-          </a:p>
-        </p:txBody>
-      </p:sp>
-      <p:sp>
-        <p:nvSpPr>
-          <p:cNvPr id="6" name="Title 1">
-            <a:extLst>
-              <a:ext uri="{FF2B5EF4-FFF2-40B4-BE49-F238E27FC236}">
-                <a16:creationId xmlns:a16="http://schemas.microsoft.com/office/drawing/2014/main" id="{B569CD3E-5E33-4EB5-A2CE-C636605E633F}"/>
-              </a:ext>
-            </a:extLst>
-          </p:cNvPr>
-          <p:cNvSpPr txBox="1">
-            <a:spLocks/>
-          </p:cNvSpPr>
-          <p:nvPr/>
-        </p:nvSpPr>
-        <p:spPr>
-          <a:xfrm>
-            <a:off x="11110985" y="6333331"/>
-            <a:ext cx="9604375" cy="1049337"/>
-          </a:xfrm>
-          <a:prstGeom prst="rect">
-            <a:avLst/>
-          </a:prstGeom>
-        </p:spPr>
-        <p:txBody>
-          <a:bodyPr vert="horz" lIns="91440" tIns="45720" rIns="91440" bIns="45720" rtlCol="0" anchor="t">
-            <a:noAutofit/>
-          </a:bodyPr>
-          <a:lstStyle>
-            <a:lvl1pPr algn="l" defTabSz="914400" rtl="0" eaLnBrk="1" latinLnBrk="0" hangingPunct="1">
-              <a:lnSpc>
-                <a:spcPct val="90000"/>
-              </a:lnSpc>
-              <a:spcBef>
-                <a:spcPct val="0"/>
-              </a:spcBef>
-              <a:buNone/>
-              <a:defRPr sz="3200" b="0" i="0" kern="1200" cap="all">
-                <a:solidFill>
-                  <a:schemeClr val="tx1"/>
-                </a:solidFill>
-                <a:effectLst/>
-                <a:latin typeface="+mj-lt"/>
-                <a:ea typeface="+mj-ea"/>
-                <a:cs typeface="+mj-cs"/>
-              </a:defRPr>
-            </a:lvl1pPr>
-          </a:lstStyle>
-          <a:p>
-            <a:r>
               <a:rPr lang="en-US" sz="2000" cap="none" dirty="0" smtClean="0">
                 <a:solidFill>
                   <a:srgbClr val="E2DED9"/>
@@ -4207,7 +4167,7 @@
     </p:spTree>
     <p:extLst>
       <p:ext uri="{BB962C8B-B14F-4D97-AF65-F5344CB8AC3E}">
-        <p14:creationId xmlns:p14="http://schemas.microsoft.com/office/powerpoint/2010/main" val="3883858756"/>
+        <p14:creationId xmlns:p14="http://schemas.microsoft.com/office/powerpoint/2010/main" val="520817570"/>
       </p:ext>
     </p:extLst>
   </p:cSld>
@@ -4241,84 +4201,69 @@
           <a:chExt cx="0" cy="0"/>
         </a:xfrm>
       </p:grpSpPr>
-      <p:sp>
-        <p:nvSpPr>
-          <p:cNvPr id="2" name="Title 1">
-            <a:extLst>
-              <a:ext uri="{FF2B5EF4-FFF2-40B4-BE49-F238E27FC236}">
-                <a16:creationId xmlns:a16="http://schemas.microsoft.com/office/drawing/2014/main" id="{5A29E978-9605-417C-951F-53F4926CFF1A}"/>
-              </a:ext>
-            </a:extLst>
-          </p:cNvPr>
-          <p:cNvSpPr>
-            <a:spLocks noGrp="1"/>
-          </p:cNvSpPr>
-          <p:nvPr>
-            <p:ph type="title" idx="4294967295"/>
-          </p:nvPr>
-        </p:nvSpPr>
-        <p:spPr>
-          <a:xfrm>
-            <a:off x="1653811" y="2213795"/>
-            <a:ext cx="9610725" cy="601662"/>
-          </a:xfrm>
-        </p:spPr>
-        <p:txBody>
-          <a:bodyPr>
-            <a:noAutofit/>
-          </a:bodyPr>
-          <a:lstStyle/>
-          <a:p>
-            <a:r>
-              <a:rPr lang="en-US" sz="6600" cap="none" dirty="0" smtClean="0"/>
-              <a:t>Inserting data into DB</a:t>
-            </a:r>
-            <a:endParaRPr lang="en-US" sz="6600" cap="none" dirty="0"/>
-          </a:p>
-        </p:txBody>
-      </p:sp>
       <p:pic>
         <p:nvPicPr>
-          <p:cNvPr id="7" name="Graphic 6" descr="Gears">
-            <a:extLst>
-              <a:ext uri="{FF2B5EF4-FFF2-40B4-BE49-F238E27FC236}">
-                <a16:creationId xmlns:a16="http://schemas.microsoft.com/office/drawing/2014/main" id="{DA9595F8-50AF-4C85-9BC5-B52646E113FB}"/>
-              </a:ext>
-            </a:extLst>
-          </p:cNvPr>
+          <p:cNvPr id="2" name="Picture 1"/>
           <p:cNvPicPr>
             <a:picLocks noChangeAspect="1"/>
           </p:cNvPicPr>
           <p:nvPr/>
         </p:nvPicPr>
         <p:blipFill>
-          <a:blip r:embed="rId2">
-            <a:extLst>
-              <a:ext uri="{96DAC541-7B7A-43D3-8B79-37D633B846F1}">
-                <asvg:svgBlip xmlns="" xmlns:asvg="http://schemas.microsoft.com/office/drawing/2016/SVG/main" r:embed="rId4"/>
-              </a:ext>
-            </a:extLst>
-          </a:blip>
+          <a:blip r:embed="rId2"/>
           <a:stretch>
             <a:fillRect/>
           </a:stretch>
         </p:blipFill>
         <p:spPr>
           <a:xfrm>
-            <a:off x="9616458" y="2197646"/>
-            <a:ext cx="1122450" cy="1122450"/>
+            <a:off x="903786" y="94977"/>
+            <a:ext cx="5734050" cy="5962650"/>
           </a:xfrm>
           <a:prstGeom prst="rect">
             <a:avLst/>
           </a:prstGeom>
         </p:spPr>
       </p:pic>
-      <p:sp>
-        <p:nvSpPr>
-          <p:cNvPr id="4" name="Title 1">
+      <p:cxnSp>
+        <p:nvCxnSpPr>
+          <p:cNvPr id="4" name="Straight Arrow Connector 3"/>
+          <p:cNvCxnSpPr/>
+          <p:nvPr/>
+        </p:nvCxnSpPr>
+        <p:spPr>
+          <a:xfrm>
+            <a:off x="4023360" y="3788229"/>
+            <a:ext cx="4088674" cy="13062"/>
+          </a:xfrm>
+          <a:prstGeom prst="straightConnector1">
+            <a:avLst/>
+          </a:prstGeom>
+          <a:ln w="31750">
+            <a:tailEnd type="triangle"/>
+          </a:ln>
+        </p:spPr>
+        <p:style>
+          <a:lnRef idx="3">
+            <a:schemeClr val="accent1"/>
+          </a:lnRef>
+          <a:fillRef idx="0">
+            <a:schemeClr val="accent1"/>
+          </a:fillRef>
+          <a:effectRef idx="2">
+            <a:schemeClr val="accent1"/>
+          </a:effectRef>
+          <a:fontRef idx="minor">
+            <a:schemeClr val="tx1"/>
+          </a:fontRef>
+        </p:style>
+      </p:cxnSp>
+      <p:sp>
+        <p:nvSpPr>
+          <p:cNvPr id="5" name="Title 1">
             <a:extLst>
               <a:ext uri="{FF2B5EF4-FFF2-40B4-BE49-F238E27FC236}">
-                <a16:creationId xmlns:a16="http://schemas.microsoft.com/office/drawing/2014/main" id="{B569CD3E-5E33-4EB5-A2CE-C636605E633F}"/>
+                <a16:creationId xmlns:a16="http://schemas.microsoft.com/office/drawing/2014/main" id="{5A29E978-9605-417C-951F-53F4926CFF1A}"/>
               </a:ext>
             </a:extLst>
           </p:cNvPr>
@@ -4329,8 +4274,8 @@
         </p:nvSpPr>
         <p:spPr>
           <a:xfrm>
-            <a:off x="10976514" y="6333331"/>
-            <a:ext cx="9604375" cy="1049337"/>
+            <a:off x="8224813" y="3500460"/>
+            <a:ext cx="4289245" cy="601662"/>
           </a:xfrm>
           <a:prstGeom prst="rect">
             <a:avLst/>
@@ -4362,12 +4307,68 @@
           </a:lstStyle>
           <a:p>
             <a:r>
-              <a:rPr lang="en-US" sz="2000" cap="none" dirty="0" err="1" smtClean="0">
+              <a:rPr lang="en-US" cap="none" dirty="0" smtClean="0"/>
+              <a:t>Retrieving array of objects from DB</a:t>
+            </a:r>
+            <a:endParaRPr lang="en-US" cap="none" dirty="0"/>
+          </a:p>
+        </p:txBody>
+      </p:sp>
+      <p:sp>
+        <p:nvSpPr>
+          <p:cNvPr id="6" name="Title 1">
+            <a:extLst>
+              <a:ext uri="{FF2B5EF4-FFF2-40B4-BE49-F238E27FC236}">
+                <a16:creationId xmlns:a16="http://schemas.microsoft.com/office/drawing/2014/main" id="{B569CD3E-5E33-4EB5-A2CE-C636605E633F}"/>
+              </a:ext>
+            </a:extLst>
+          </p:cNvPr>
+          <p:cNvSpPr txBox="1">
+            <a:spLocks/>
+          </p:cNvSpPr>
+          <p:nvPr/>
+        </p:nvSpPr>
+        <p:spPr>
+          <a:xfrm>
+            <a:off x="11110985" y="6333331"/>
+            <a:ext cx="9604375" cy="1049337"/>
+          </a:xfrm>
+          <a:prstGeom prst="rect">
+            <a:avLst/>
+          </a:prstGeom>
+        </p:spPr>
+        <p:txBody>
+          <a:bodyPr vert="horz" lIns="91440" tIns="45720" rIns="91440" bIns="45720" rtlCol="0" anchor="t">
+            <a:noAutofit/>
+          </a:bodyPr>
+          <a:lstStyle>
+            <a:lvl1pPr algn="l" defTabSz="914400" rtl="0" eaLnBrk="1" latinLnBrk="0" hangingPunct="1">
+              <a:lnSpc>
+                <a:spcPct val="90000"/>
+              </a:lnSpc>
+              <a:spcBef>
+                <a:spcPct val="0"/>
+              </a:spcBef>
+              <a:buNone/>
+              <a:defRPr sz="3200" b="0" i="0" kern="1200" cap="all">
+                <a:solidFill>
+                  <a:schemeClr val="tx1"/>
+                </a:solidFill>
+                <a:effectLst/>
+                <a:latin typeface="+mj-lt"/>
+                <a:ea typeface="+mj-ea"/>
+                <a:cs typeface="+mj-cs"/>
+              </a:defRPr>
+            </a:lvl1pPr>
+          </a:lstStyle>
+          <a:p>
+            <a:r>
+              <a:rPr lang="en-US" sz="2000" cap="none" dirty="0" smtClean="0">
                 <a:solidFill>
                   <a:srgbClr val="E2DED9"/>
                 </a:solidFill>
               </a:rPr>
-              <a:t>Leela</a:t>
+              <a:t>Pavan</a:t>
             </a:r>
             <a:endParaRPr lang="en-US" sz="2000" cap="none" dirty="0">
               <a:solidFill>
@@ -4380,7 +4381,7 @@
     </p:spTree>
     <p:extLst>
       <p:ext uri="{BB962C8B-B14F-4D97-AF65-F5344CB8AC3E}">
-        <p14:creationId xmlns:p14="http://schemas.microsoft.com/office/powerpoint/2010/main" val="2504282816"/>
+        <p14:creationId xmlns:p14="http://schemas.microsoft.com/office/powerpoint/2010/main" val="3883858756"/>
       </p:ext>
     </p:extLst>
   </p:cSld>
@@ -4414,69 +4415,84 @@
           <a:chExt cx="0" cy="0"/>
         </a:xfrm>
       </p:grpSpPr>
+      <p:sp>
+        <p:nvSpPr>
+          <p:cNvPr id="2" name="Title 1">
+            <a:extLst>
+              <a:ext uri="{FF2B5EF4-FFF2-40B4-BE49-F238E27FC236}">
+                <a16:creationId xmlns:a16="http://schemas.microsoft.com/office/drawing/2014/main" id="{5A29E978-9605-417C-951F-53F4926CFF1A}"/>
+              </a:ext>
+            </a:extLst>
+          </p:cNvPr>
+          <p:cNvSpPr>
+            <a:spLocks noGrp="1"/>
+          </p:cNvSpPr>
+          <p:nvPr>
+            <p:ph type="title" idx="4294967295"/>
+          </p:nvPr>
+        </p:nvSpPr>
+        <p:spPr>
+          <a:xfrm>
+            <a:off x="1653811" y="2213795"/>
+            <a:ext cx="9610725" cy="601662"/>
+          </a:xfrm>
+        </p:spPr>
+        <p:txBody>
+          <a:bodyPr>
+            <a:noAutofit/>
+          </a:bodyPr>
+          <a:lstStyle/>
+          <a:p>
+            <a:r>
+              <a:rPr lang="en-US" sz="6600" cap="none" dirty="0" smtClean="0"/>
+              <a:t>Inserting data into DB</a:t>
+            </a:r>
+            <a:endParaRPr lang="en-US" sz="6600" cap="none" dirty="0"/>
+          </a:p>
+        </p:txBody>
+      </p:sp>
       <p:pic>
         <p:nvPicPr>
-          <p:cNvPr id="2" name="Picture 1"/>
+          <p:cNvPr id="7" name="Graphic 6" descr="Gears">
+            <a:extLst>
+              <a:ext uri="{FF2B5EF4-FFF2-40B4-BE49-F238E27FC236}">
+                <a16:creationId xmlns:a16="http://schemas.microsoft.com/office/drawing/2014/main" id="{DA9595F8-50AF-4C85-9BC5-B52646E113FB}"/>
+              </a:ext>
+            </a:extLst>
+          </p:cNvPr>
           <p:cNvPicPr>
             <a:picLocks noChangeAspect="1"/>
           </p:cNvPicPr>
           <p:nvPr/>
         </p:nvPicPr>
         <p:blipFill>
-          <a:blip r:embed="rId2"/>
+          <a:blip r:embed="rId2">
+            <a:extLst>
+              <a:ext uri="{96DAC541-7B7A-43D3-8B79-37D633B846F1}">
+                <asvg:svgBlip xmlns:asvg="http://schemas.microsoft.com/office/drawing/2016/SVG/main" xmlns="" r:embed="rId4"/>
+              </a:ext>
+            </a:extLst>
+          </a:blip>
           <a:stretch>
             <a:fillRect/>
           </a:stretch>
         </p:blipFill>
         <p:spPr>
           <a:xfrm>
-            <a:off x="1151300" y="184241"/>
-            <a:ext cx="5343525" cy="5810250"/>
+            <a:off x="9616458" y="2197646"/>
+            <a:ext cx="1122450" cy="1122450"/>
           </a:xfrm>
           <a:prstGeom prst="rect">
             <a:avLst/>
           </a:prstGeom>
         </p:spPr>
       </p:pic>
-      <p:cxnSp>
-        <p:nvCxnSpPr>
-          <p:cNvPr id="3" name="Straight Arrow Connector 2"/>
-          <p:cNvCxnSpPr/>
-          <p:nvPr/>
-        </p:nvCxnSpPr>
-        <p:spPr>
-          <a:xfrm flipV="1">
-            <a:off x="5434149" y="4101737"/>
-            <a:ext cx="3108960" cy="385"/>
-          </a:xfrm>
-          <a:prstGeom prst="straightConnector1">
-            <a:avLst/>
-          </a:prstGeom>
-          <a:ln w="31750">
-            <a:tailEnd type="triangle"/>
-          </a:ln>
-        </p:spPr>
-        <p:style>
-          <a:lnRef idx="3">
-            <a:schemeClr val="accent1"/>
-          </a:lnRef>
-          <a:fillRef idx="0">
-            <a:schemeClr val="accent1"/>
-          </a:fillRef>
-          <a:effectRef idx="2">
-            <a:schemeClr val="accent1"/>
-          </a:effectRef>
-          <a:fontRef idx="minor">
-            <a:schemeClr val="tx1"/>
-          </a:fontRef>
-        </p:style>
-      </p:cxnSp>
       <p:sp>
         <p:nvSpPr>
           <p:cNvPr id="4" name="Title 1">
             <a:extLst>
               <a:ext uri="{FF2B5EF4-FFF2-40B4-BE49-F238E27FC236}">
-                <a16:creationId xmlns:a16="http://schemas.microsoft.com/office/drawing/2014/main" id="{5A29E978-9605-417C-951F-53F4926CFF1A}"/>
+                <a16:creationId xmlns:a16="http://schemas.microsoft.com/office/drawing/2014/main" id="{B569CD3E-5E33-4EB5-A2CE-C636605E633F}"/>
               </a:ext>
             </a:extLst>
           </p:cNvPr>
@@ -4487,8 +4503,8 @@
         </p:nvSpPr>
         <p:spPr>
           <a:xfrm>
-            <a:off x="8673737" y="3670278"/>
-            <a:ext cx="3518263" cy="875596"/>
+            <a:off x="10976514" y="6333331"/>
+            <a:ext cx="9604375" cy="1049337"/>
           </a:xfrm>
           <a:prstGeom prst="rect">
             <a:avLst/>
@@ -4520,62 +4536,6 @@
           </a:lstStyle>
           <a:p>
             <a:r>
-              <a:rPr lang="en-US" cap="none" dirty="0" smtClean="0"/>
-              <a:t>Inserting object into DB</a:t>
-            </a:r>
-            <a:endParaRPr lang="en-US" cap="none" dirty="0"/>
-          </a:p>
-        </p:txBody>
-      </p:sp>
-      <p:sp>
-        <p:nvSpPr>
-          <p:cNvPr id="5" name="Title 1">
-            <a:extLst>
-              <a:ext uri="{FF2B5EF4-FFF2-40B4-BE49-F238E27FC236}">
-                <a16:creationId xmlns:a16="http://schemas.microsoft.com/office/drawing/2014/main" id="{B569CD3E-5E33-4EB5-A2CE-C636605E633F}"/>
-              </a:ext>
-            </a:extLst>
-          </p:cNvPr>
-          <p:cNvSpPr txBox="1">
-            <a:spLocks/>
-          </p:cNvSpPr>
-          <p:nvPr/>
-        </p:nvSpPr>
-        <p:spPr>
-          <a:xfrm>
-            <a:off x="11164773" y="6333331"/>
-            <a:ext cx="9604375" cy="1049337"/>
-          </a:xfrm>
-          <a:prstGeom prst="rect">
-            <a:avLst/>
-          </a:prstGeom>
-        </p:spPr>
-        <p:txBody>
-          <a:bodyPr vert="horz" lIns="91440" tIns="45720" rIns="91440" bIns="45720" rtlCol="0" anchor="t">
-            <a:noAutofit/>
-          </a:bodyPr>
-          <a:lstStyle>
-            <a:lvl1pPr algn="l" defTabSz="914400" rtl="0" eaLnBrk="1" latinLnBrk="0" hangingPunct="1">
-              <a:lnSpc>
-                <a:spcPct val="90000"/>
-              </a:lnSpc>
-              <a:spcBef>
-                <a:spcPct val="0"/>
-              </a:spcBef>
-              <a:buNone/>
-              <a:defRPr sz="3200" b="0" i="0" kern="1200" cap="all">
-                <a:solidFill>
-                  <a:schemeClr val="tx1"/>
-                </a:solidFill>
-                <a:effectLst/>
-                <a:latin typeface="+mj-lt"/>
-                <a:ea typeface="+mj-ea"/>
-                <a:cs typeface="+mj-cs"/>
-              </a:defRPr>
-            </a:lvl1pPr>
-          </a:lstStyle>
-          <a:p>
-            <a:r>
               <a:rPr lang="en-US" sz="2000" cap="none" dirty="0" err="1" smtClean="0">
                 <a:solidFill>
                   <a:srgbClr val="E2DED9"/>
@@ -4594,7 +4554,7 @@
     </p:spTree>
     <p:extLst>
       <p:ext uri="{BB962C8B-B14F-4D97-AF65-F5344CB8AC3E}">
-        <p14:creationId xmlns:p14="http://schemas.microsoft.com/office/powerpoint/2010/main" val="152197749"/>
+        <p14:creationId xmlns:p14="http://schemas.microsoft.com/office/powerpoint/2010/main" val="2504282816"/>
       </p:ext>
     </p:extLst>
   </p:cSld>
@@ -4628,50 +4588,187 @@
           <a:chExt cx="0" cy="0"/>
         </a:xfrm>
       </p:grpSpPr>
-      <p:sp>
-        <p:nvSpPr>
-          <p:cNvPr id="2" name="Title 1">
+      <p:pic>
+        <p:nvPicPr>
+          <p:cNvPr id="2" name="Picture 1"/>
+          <p:cNvPicPr>
+            <a:picLocks noChangeAspect="1"/>
+          </p:cNvPicPr>
+          <p:nvPr/>
+        </p:nvPicPr>
+        <p:blipFill>
+          <a:blip r:embed="rId2"/>
+          <a:stretch>
+            <a:fillRect/>
+          </a:stretch>
+        </p:blipFill>
+        <p:spPr>
+          <a:xfrm>
+            <a:off x="1151300" y="184241"/>
+            <a:ext cx="5343525" cy="5810250"/>
+          </a:xfrm>
+          <a:prstGeom prst="rect">
+            <a:avLst/>
+          </a:prstGeom>
+        </p:spPr>
+      </p:pic>
+      <p:cxnSp>
+        <p:nvCxnSpPr>
+          <p:cNvPr id="3" name="Straight Arrow Connector 2"/>
+          <p:cNvCxnSpPr/>
+          <p:nvPr/>
+        </p:nvCxnSpPr>
+        <p:spPr>
+          <a:xfrm flipV="1">
+            <a:off x="5434149" y="4101737"/>
+            <a:ext cx="3108960" cy="385"/>
+          </a:xfrm>
+          <a:prstGeom prst="straightConnector1">
+            <a:avLst/>
+          </a:prstGeom>
+          <a:ln w="31750">
+            <a:tailEnd type="triangle"/>
+          </a:ln>
+        </p:spPr>
+        <p:style>
+          <a:lnRef idx="3">
+            <a:schemeClr val="accent1"/>
+          </a:lnRef>
+          <a:fillRef idx="0">
+            <a:schemeClr val="accent1"/>
+          </a:fillRef>
+          <a:effectRef idx="2">
+            <a:schemeClr val="accent1"/>
+          </a:effectRef>
+          <a:fontRef idx="minor">
+            <a:schemeClr val="tx1"/>
+          </a:fontRef>
+        </p:style>
+      </p:cxnSp>
+      <p:sp>
+        <p:nvSpPr>
+          <p:cNvPr id="4" name="Title 1">
             <a:extLst>
               <a:ext uri="{FF2B5EF4-FFF2-40B4-BE49-F238E27FC236}">
-                <a16:creationId xmlns:a16="http://schemas.microsoft.com/office/drawing/2014/main" id="{4DFF222A-0050-42E6-8C3E-86E3C365C411}"/>
+                <a16:creationId xmlns:a16="http://schemas.microsoft.com/office/drawing/2014/main" id="{5A29E978-9605-417C-951F-53F4926CFF1A}"/>
               </a:ext>
             </a:extLst>
           </p:cNvPr>
-          <p:cNvSpPr>
-            <a:spLocks noGrp="1"/>
-          </p:cNvSpPr>
-          <p:nvPr>
-            <p:ph type="title" idx="4294967295"/>
-          </p:nvPr>
-        </p:nvSpPr>
-        <p:spPr>
-          <a:xfrm>
-            <a:off x="1666875" y="1804670"/>
-            <a:ext cx="9610725" cy="2559050"/>
-          </a:xfrm>
-        </p:spPr>
-        <p:txBody>
-          <a:bodyPr>
-            <a:normAutofit/>
+          <p:cNvSpPr txBox="1">
+            <a:spLocks/>
+          </p:cNvSpPr>
+          <p:nvPr/>
+        </p:nvSpPr>
+        <p:spPr>
+          <a:xfrm>
+            <a:off x="8673737" y="3670278"/>
+            <a:ext cx="3518263" cy="875596"/>
+          </a:xfrm>
+          <a:prstGeom prst="rect">
+            <a:avLst/>
+          </a:prstGeom>
+        </p:spPr>
+        <p:txBody>
+          <a:bodyPr vert="horz" lIns="91440" tIns="45720" rIns="91440" bIns="45720" rtlCol="0" anchor="t">
+            <a:noAutofit/>
           </a:bodyPr>
-          <a:lstStyle/>
-          <a:p>
-            <a:r>
-              <a:rPr lang="en-US" sz="8800" cap="none" dirty="0" smtClean="0"/>
-              <a:t>Any Questions</a:t>
-            </a:r>
-            <a:r>
-              <a:rPr lang="en-US" sz="8800" dirty="0" smtClean="0"/>
-              <a:t> ???</a:t>
-            </a:r>
-            <a:endParaRPr lang="en-US" sz="8800" dirty="0"/>
+          <a:lstStyle>
+            <a:lvl1pPr algn="l" defTabSz="914400" rtl="0" eaLnBrk="1" latinLnBrk="0" hangingPunct="1">
+              <a:lnSpc>
+                <a:spcPct val="90000"/>
+              </a:lnSpc>
+              <a:spcBef>
+                <a:spcPct val="0"/>
+              </a:spcBef>
+              <a:buNone/>
+              <a:defRPr sz="3200" b="0" i="0" kern="1200" cap="all">
+                <a:solidFill>
+                  <a:schemeClr val="tx1"/>
+                </a:solidFill>
+                <a:effectLst/>
+                <a:latin typeface="+mj-lt"/>
+                <a:ea typeface="+mj-ea"/>
+                <a:cs typeface="+mj-cs"/>
+              </a:defRPr>
+            </a:lvl1pPr>
+          </a:lstStyle>
+          <a:p>
+            <a:r>
+              <a:rPr lang="en-US" cap="none" dirty="0" smtClean="0"/>
+              <a:t>Inserting object into DB</a:t>
+            </a:r>
+            <a:endParaRPr lang="en-US" cap="none" dirty="0"/>
+          </a:p>
+        </p:txBody>
+      </p:sp>
+      <p:sp>
+        <p:nvSpPr>
+          <p:cNvPr id="5" name="Title 1">
+            <a:extLst>
+              <a:ext uri="{FF2B5EF4-FFF2-40B4-BE49-F238E27FC236}">
+                <a16:creationId xmlns:a16="http://schemas.microsoft.com/office/drawing/2014/main" id="{B569CD3E-5E33-4EB5-A2CE-C636605E633F}"/>
+              </a:ext>
+            </a:extLst>
+          </p:cNvPr>
+          <p:cNvSpPr txBox="1">
+            <a:spLocks/>
+          </p:cNvSpPr>
+          <p:nvPr/>
+        </p:nvSpPr>
+        <p:spPr>
+          <a:xfrm>
+            <a:off x="11164773" y="6333331"/>
+            <a:ext cx="9604375" cy="1049337"/>
+          </a:xfrm>
+          <a:prstGeom prst="rect">
+            <a:avLst/>
+          </a:prstGeom>
+        </p:spPr>
+        <p:txBody>
+          <a:bodyPr vert="horz" lIns="91440" tIns="45720" rIns="91440" bIns="45720" rtlCol="0" anchor="t">
+            <a:noAutofit/>
+          </a:bodyPr>
+          <a:lstStyle>
+            <a:lvl1pPr algn="l" defTabSz="914400" rtl="0" eaLnBrk="1" latinLnBrk="0" hangingPunct="1">
+              <a:lnSpc>
+                <a:spcPct val="90000"/>
+              </a:lnSpc>
+              <a:spcBef>
+                <a:spcPct val="0"/>
+              </a:spcBef>
+              <a:buNone/>
+              <a:defRPr sz="3200" b="0" i="0" kern="1200" cap="all">
+                <a:solidFill>
+                  <a:schemeClr val="tx1"/>
+                </a:solidFill>
+                <a:effectLst/>
+                <a:latin typeface="+mj-lt"/>
+                <a:ea typeface="+mj-ea"/>
+                <a:cs typeface="+mj-cs"/>
+              </a:defRPr>
+            </a:lvl1pPr>
+          </a:lstStyle>
+          <a:p>
+            <a:r>
+              <a:rPr lang="en-US" sz="2000" cap="none" dirty="0" err="1" smtClean="0">
+                <a:solidFill>
+                  <a:srgbClr val="E2DED9"/>
+                </a:solidFill>
+              </a:rPr>
+              <a:t>Leela</a:t>
+            </a:r>
+            <a:endParaRPr lang="en-US" sz="2000" cap="none" dirty="0">
+              <a:solidFill>
+                <a:srgbClr val="E2DED9"/>
+              </a:solidFill>
+            </a:endParaRPr>
           </a:p>
         </p:txBody>
       </p:sp>
     </p:spTree>
     <p:extLst>
       <p:ext uri="{BB962C8B-B14F-4D97-AF65-F5344CB8AC3E}">
-        <p14:creationId xmlns:p14="http://schemas.microsoft.com/office/powerpoint/2010/main" val="1201904835"/>
+        <p14:creationId xmlns:p14="http://schemas.microsoft.com/office/powerpoint/2010/main" val="152197749"/>
       </p:ext>
     </p:extLst>
   </p:cSld>
@@ -4707,6 +4804,83 @@
       </p:grpSpPr>
       <p:sp>
         <p:nvSpPr>
+          <p:cNvPr id="2" name="Title 1">
+            <a:extLst>
+              <a:ext uri="{FF2B5EF4-FFF2-40B4-BE49-F238E27FC236}">
+                <a16:creationId xmlns:a16="http://schemas.microsoft.com/office/drawing/2014/main" id="{4DFF222A-0050-42E6-8C3E-86E3C365C411}"/>
+              </a:ext>
+            </a:extLst>
+          </p:cNvPr>
+          <p:cNvSpPr>
+            <a:spLocks noGrp="1"/>
+          </p:cNvSpPr>
+          <p:nvPr>
+            <p:ph type="title" idx="4294967295"/>
+          </p:nvPr>
+        </p:nvSpPr>
+        <p:spPr>
+          <a:xfrm>
+            <a:off x="1666875" y="1804670"/>
+            <a:ext cx="9610725" cy="2559050"/>
+          </a:xfrm>
+        </p:spPr>
+        <p:txBody>
+          <a:bodyPr>
+            <a:normAutofit/>
+          </a:bodyPr>
+          <a:lstStyle/>
+          <a:p>
+            <a:r>
+              <a:rPr lang="en-US" sz="8800" cap="none" dirty="0" smtClean="0"/>
+              <a:t>Any Questions</a:t>
+            </a:r>
+            <a:r>
+              <a:rPr lang="en-US" sz="8800" dirty="0" smtClean="0"/>
+              <a:t> ???</a:t>
+            </a:r>
+            <a:endParaRPr lang="en-US" sz="8800" dirty="0"/>
+          </a:p>
+        </p:txBody>
+      </p:sp>
+    </p:spTree>
+    <p:extLst>
+      <p:ext uri="{BB962C8B-B14F-4D97-AF65-F5344CB8AC3E}">
+        <p14:creationId xmlns:p14="http://schemas.microsoft.com/office/powerpoint/2010/main" val="1201904835"/>
+      </p:ext>
+    </p:extLst>
+  </p:cSld>
+  <p:clrMapOvr>
+    <a:masterClrMapping/>
+  </p:clrMapOvr>
+  <p:timing>
+    <p:tnLst>
+      <p:par>
+        <p:cTn id="1" dur="indefinite" restart="never" nodeType="tmRoot"/>
+      </p:par>
+    </p:tnLst>
+  </p:timing>
+</p:sld>
+</file>
+
+<file path=ppt/slides/slide15.xml><?xml version="1.0" encoding="utf-8"?>
+<p:sld xmlns:a="http://schemas.openxmlformats.org/drawingml/2006/main" xmlns:r="http://schemas.openxmlformats.org/officeDocument/2006/relationships" xmlns:p="http://schemas.openxmlformats.org/presentationml/2006/main">
+  <p:cSld>
+    <p:spTree>
+      <p:nvGrpSpPr>
+        <p:cNvPr id="1" name=""/>
+        <p:cNvGrpSpPr/>
+        <p:nvPr/>
+      </p:nvGrpSpPr>
+      <p:grpSpPr>
+        <a:xfrm>
+          <a:off x="0" y="0"/>
+          <a:ext cx="0" cy="0"/>
+          <a:chOff x="0" y="0"/>
+          <a:chExt cx="0" cy="0"/>
+        </a:xfrm>
+      </p:grpSpPr>
+      <p:sp>
+        <p:nvSpPr>
           <p:cNvPr id="4" name="Title 3">
             <a:extLst>
               <a:ext uri="{FF2B5EF4-FFF2-40B4-BE49-F238E27FC236}">
@@ -4851,7 +5025,6 @@
               <a:rPr lang="en-US" sz="2400" cap="none" dirty="0"/>
               <a:t> Krishna</a:t>
             </a:r>
-            <a:endParaRPr lang="en-US" sz="2400" cap="none" dirty="0"/>
           </a:p>
         </p:txBody>
       </p:sp>
@@ -4937,7 +5110,6 @@
               <a:rPr lang="en-US" sz="2400" cap="none" dirty="0"/>
               <a:t>Pavan</a:t>
             </a:r>
-            <a:endParaRPr lang="en-US" sz="2400" cap="none" dirty="0"/>
           </a:p>
         </p:txBody>
       </p:sp>
@@ -5049,8 +5221,8 @@
         </p:blipFill>
         <p:spPr>
           <a:xfrm>
-            <a:off x="3213143" y="1257475"/>
-            <a:ext cx="2891598" cy="3513909"/>
+            <a:off x="3213143" y="1329647"/>
+            <a:ext cx="3160844" cy="3369568"/>
           </a:xfrm>
           <a:prstGeom prst="rect">
             <a:avLst/>
@@ -5234,7 +5406,7 @@
           <a:blip r:embed="rId2">
             <a:extLst>
               <a:ext uri="{96DAC541-7B7A-43D3-8B79-37D633B846F1}">
-                <asvg:svgBlip xmlns="" xmlns:asvg="http://schemas.microsoft.com/office/drawing/2016/SVG/main" r:embed="rId4"/>
+                <asvg:svgBlip xmlns:asvg="http://schemas.microsoft.com/office/drawing/2016/SVG/main" xmlns="" r:embed="rId4"/>
               </a:ext>
             </a:extLst>
           </a:blip>
@@ -5411,6 +5583,13 @@
             <a:pPr lvl="0"/>
             <a:r>
               <a:rPr lang="en-US" dirty="0" smtClean="0"/>
+              <a:t>EJS</a:t>
+            </a:r>
+          </a:p>
+          <a:p>
+            <a:pPr lvl="0"/>
+            <a:r>
+              <a:rPr lang="en-US" dirty="0" smtClean="0"/>
               <a:t>Passing a value</a:t>
             </a:r>
           </a:p>
@@ -5456,7 +5635,7 @@
           <a:blip r:embed="rId2">
             <a:extLst>
               <a:ext uri="{96DAC541-7B7A-43D3-8B79-37D633B846F1}">
-                <asvg:svgBlip xmlns="" xmlns:asvg="http://schemas.microsoft.com/office/drawing/2016/SVG/main" r:embed="rId4"/>
+                <asvg:svgBlip xmlns:asvg="http://schemas.microsoft.com/office/drawing/2016/SVG/main" xmlns="" r:embed="rId4"/>
               </a:ext>
             </a:extLst>
           </a:blip>
@@ -5577,84 +5756,90 @@
       </p:grpSpPr>
       <p:sp>
         <p:nvSpPr>
-          <p:cNvPr id="2" name="Title 1">
-            <a:extLst>
-              <a:ext uri="{FF2B5EF4-FFF2-40B4-BE49-F238E27FC236}">
-                <a16:creationId xmlns:a16="http://schemas.microsoft.com/office/drawing/2014/main" id="{5A29E978-9605-417C-951F-53F4926CFF1A}"/>
-              </a:ext>
-            </a:extLst>
-          </p:cNvPr>
+          <p:cNvPr id="2" name="Content Placeholder 1"/>
           <p:cNvSpPr>
             <a:spLocks noGrp="1"/>
           </p:cNvSpPr>
           <p:nvPr>
-            <p:ph type="title" idx="4294967295"/>
+            <p:ph idx="1"/>
           </p:nvPr>
         </p:nvSpPr>
-        <p:spPr>
-          <a:xfrm>
-            <a:off x="3404234" y="2197646"/>
-            <a:ext cx="9610725" cy="601662"/>
-          </a:xfrm>
-        </p:spPr>
-        <p:txBody>
-          <a:bodyPr>
-            <a:noAutofit/>
-          </a:bodyPr>
+        <p:spPr/>
+        <p:txBody>
+          <a:bodyPr/>
           <a:lstStyle/>
           <a:p>
             <a:r>
-              <a:rPr lang="en-US" sz="6600" cap="none" dirty="0" smtClean="0"/>
-              <a:t>Passing a </a:t>
-            </a:r>
-            <a:r>
-              <a:rPr lang="en-US" sz="6600" cap="none" dirty="0"/>
-              <a:t>v</a:t>
-            </a:r>
-            <a:r>
-              <a:rPr lang="en-US" sz="6600" cap="none" dirty="0" smtClean="0"/>
-              <a:t>alue</a:t>
-            </a:r>
-            <a:endParaRPr lang="en-US" sz="6600" cap="none" dirty="0"/>
-          </a:p>
-        </p:txBody>
-      </p:sp>
-      <p:pic>
-        <p:nvPicPr>
-          <p:cNvPr id="7" name="Graphic 6" descr="Gears">
-            <a:extLst>
-              <a:ext uri="{FF2B5EF4-FFF2-40B4-BE49-F238E27FC236}">
-                <a16:creationId xmlns:a16="http://schemas.microsoft.com/office/drawing/2014/main" id="{DA9595F8-50AF-4C85-9BC5-B52646E113FB}"/>
-              </a:ext>
-            </a:extLst>
-          </p:cNvPr>
-          <p:cNvPicPr>
-            <a:picLocks noChangeAspect="1"/>
-          </p:cNvPicPr>
-          <p:nvPr/>
-        </p:nvPicPr>
-        <p:blipFill>
-          <a:blip r:embed="rId2">
-            <a:extLst>
-              <a:ext uri="{96DAC541-7B7A-43D3-8B79-37D633B846F1}">
-                <asvg:svgBlip xmlns="" xmlns:asvg="http://schemas.microsoft.com/office/drawing/2016/SVG/main" r:embed="rId4"/>
-              </a:ext>
-            </a:extLst>
-          </a:blip>
-          <a:stretch>
-            <a:fillRect/>
-          </a:stretch>
-        </p:blipFill>
-        <p:spPr>
-          <a:xfrm>
-            <a:off x="9616458" y="2197646"/>
-            <a:ext cx="1122450" cy="1122450"/>
-          </a:xfrm>
-          <a:prstGeom prst="rect">
-            <a:avLst/>
-          </a:prstGeom>
-        </p:spPr>
-      </p:pic>
+              <a:rPr lang="en-US" dirty="0"/>
+              <a:t>EJS is a simple </a:t>
+            </a:r>
+            <a:r>
+              <a:rPr lang="en-US" dirty="0" err="1" smtClean="0"/>
+              <a:t>templating</a:t>
+            </a:r>
+            <a:r>
+              <a:rPr lang="en-US" dirty="0" smtClean="0"/>
+              <a:t> </a:t>
+            </a:r>
+            <a:r>
+              <a:rPr lang="en-US" dirty="0"/>
+              <a:t>language that lets you generate HTML markup with plain </a:t>
+            </a:r>
+            <a:r>
+              <a:rPr lang="en-US" dirty="0" smtClean="0"/>
+              <a:t>JavaScript</a:t>
+            </a:r>
+          </a:p>
+          <a:p>
+            <a:r>
+              <a:rPr lang="en-US" dirty="0"/>
+              <a:t>Client-side </a:t>
+            </a:r>
+            <a:r>
+              <a:rPr lang="en-US" dirty="0" smtClean="0"/>
+              <a:t>support</a:t>
+            </a:r>
+          </a:p>
+          <a:p>
+            <a:r>
+              <a:rPr lang="en-US" dirty="0" smtClean="0"/>
+              <a:t>Control flow with &lt;% %&gt;</a:t>
+            </a:r>
+          </a:p>
+          <a:p>
+            <a:r>
+              <a:rPr lang="en-US" dirty="0" smtClean="0"/>
+              <a:t>Escaped output with &lt;%= %&gt;</a:t>
+            </a:r>
+          </a:p>
+          <a:p>
+            <a:endParaRPr lang="en-US" dirty="0"/>
+          </a:p>
+        </p:txBody>
+      </p:sp>
+      <p:sp>
+        <p:nvSpPr>
+          <p:cNvPr id="3" name="Title 2"/>
+          <p:cNvSpPr>
+            <a:spLocks noGrp="1"/>
+          </p:cNvSpPr>
+          <p:nvPr>
+            <p:ph type="title"/>
+          </p:nvPr>
+        </p:nvSpPr>
+        <p:spPr/>
+        <p:txBody>
+          <a:bodyPr/>
+          <a:lstStyle/>
+          <a:p>
+            <a:r>
+              <a:rPr lang="en-US" dirty="0" smtClean="0"/>
+              <a:t>EJS</a:t>
+            </a:r>
+            <a:endParaRPr lang="en-US" dirty="0"/>
+          </a:p>
+        </p:txBody>
+      </p:sp>
       <p:sp>
         <p:nvSpPr>
           <p:cNvPr id="4" name="Title 1">
@@ -5722,7 +5907,7 @@
     </p:spTree>
     <p:extLst>
       <p:ext uri="{BB962C8B-B14F-4D97-AF65-F5344CB8AC3E}">
-        <p14:creationId xmlns:p14="http://schemas.microsoft.com/office/powerpoint/2010/main" val="4164098364"/>
+        <p14:creationId xmlns:p14="http://schemas.microsoft.com/office/powerpoint/2010/main" val="1887290466"/>
       </p:ext>
     </p:extLst>
   </p:cSld>
@@ -5756,53 +5941,80 @@
           <a:chExt cx="0" cy="0"/>
         </a:xfrm>
       </p:grpSpPr>
+      <p:sp>
+        <p:nvSpPr>
+          <p:cNvPr id="2" name="Title 1">
+            <a:extLst>
+              <a:ext uri="{FF2B5EF4-FFF2-40B4-BE49-F238E27FC236}">
+                <a16:creationId xmlns:a16="http://schemas.microsoft.com/office/drawing/2014/main" id="{5A29E978-9605-417C-951F-53F4926CFF1A}"/>
+              </a:ext>
+            </a:extLst>
+          </p:cNvPr>
+          <p:cNvSpPr>
+            <a:spLocks noGrp="1"/>
+          </p:cNvSpPr>
+          <p:nvPr>
+            <p:ph type="title" idx="4294967295"/>
+          </p:nvPr>
+        </p:nvSpPr>
+        <p:spPr>
+          <a:xfrm>
+            <a:off x="3404234" y="2197646"/>
+            <a:ext cx="9610725" cy="601662"/>
+          </a:xfrm>
+        </p:spPr>
+        <p:txBody>
+          <a:bodyPr>
+            <a:noAutofit/>
+          </a:bodyPr>
+          <a:lstStyle/>
+          <a:p>
+            <a:r>
+              <a:rPr lang="en-US" sz="6600" cap="none" dirty="0" smtClean="0"/>
+              <a:t>Passing a </a:t>
+            </a:r>
+            <a:r>
+              <a:rPr lang="en-US" sz="6600" cap="none" dirty="0"/>
+              <a:t>v</a:t>
+            </a:r>
+            <a:r>
+              <a:rPr lang="en-US" sz="6600" cap="none" dirty="0" smtClean="0"/>
+              <a:t>alue</a:t>
+            </a:r>
+            <a:endParaRPr lang="en-US" sz="6600" cap="none" dirty="0"/>
+          </a:p>
+        </p:txBody>
+      </p:sp>
       <p:pic>
         <p:nvPicPr>
-          <p:cNvPr id="2" name="Picture 1"/>
+          <p:cNvPr id="7" name="Graphic 6" descr="Gears">
+            <a:extLst>
+              <a:ext uri="{FF2B5EF4-FFF2-40B4-BE49-F238E27FC236}">
+                <a16:creationId xmlns:a16="http://schemas.microsoft.com/office/drawing/2014/main" id="{DA9595F8-50AF-4C85-9BC5-B52646E113FB}"/>
+              </a:ext>
+            </a:extLst>
+          </p:cNvPr>
           <p:cNvPicPr>
             <a:picLocks noChangeAspect="1"/>
           </p:cNvPicPr>
           <p:nvPr/>
         </p:nvPicPr>
         <p:blipFill>
-          <a:blip r:embed="rId2"/>
+          <a:blip r:embed="rId2">
+            <a:extLst>
+              <a:ext uri="{96DAC541-7B7A-43D3-8B79-37D633B846F1}">
+                <asvg:svgBlip xmlns:asvg="http://schemas.microsoft.com/office/drawing/2016/SVG/main" xmlns="" r:embed="rId4"/>
+              </a:ext>
+            </a:extLst>
+          </a:blip>
           <a:stretch>
             <a:fillRect/>
           </a:stretch>
         </p:blipFill>
         <p:spPr>
           <a:xfrm>
-            <a:off x="1155791" y="576262"/>
-            <a:ext cx="4629150" cy="4791075"/>
-          </a:xfrm>
-          <a:prstGeom prst="rect">
-            <a:avLst/>
-          </a:prstGeom>
-          <a:ln>
-            <a:solidFill>
-              <a:schemeClr val="accent1"/>
-            </a:solidFill>
-          </a:ln>
-        </p:spPr>
-      </p:pic>
-      <p:pic>
-        <p:nvPicPr>
-          <p:cNvPr id="3" name="Picture 2"/>
-          <p:cNvPicPr>
-            <a:picLocks noChangeAspect="1"/>
-          </p:cNvPicPr>
-          <p:nvPr/>
-        </p:nvPicPr>
-        <p:blipFill>
-          <a:blip r:embed="rId3"/>
-          <a:stretch>
-            <a:fillRect/>
-          </a:stretch>
-        </p:blipFill>
-        <p:spPr>
-          <a:xfrm>
-            <a:off x="7300505" y="1506038"/>
-            <a:ext cx="3476352" cy="2216876"/>
+            <a:off x="9616458" y="2197646"/>
+            <a:ext cx="1122450" cy="1122450"/>
           </a:xfrm>
           <a:prstGeom prst="rect">
             <a:avLst/>
@@ -5876,7 +6088,7 @@
     </p:spTree>
     <p:extLst>
       <p:ext uri="{BB962C8B-B14F-4D97-AF65-F5344CB8AC3E}">
-        <p14:creationId xmlns:p14="http://schemas.microsoft.com/office/powerpoint/2010/main" val="1318816999"/>
+        <p14:creationId xmlns:p14="http://schemas.microsoft.com/office/powerpoint/2010/main" val="4164098364"/>
       </p:ext>
     </p:extLst>
   </p:cSld>
@@ -5910,76 +6122,57 @@
           <a:chExt cx="0" cy="0"/>
         </a:xfrm>
       </p:grpSpPr>
-      <p:sp>
-        <p:nvSpPr>
-          <p:cNvPr id="2" name="Title 1">
-            <a:extLst>
-              <a:ext uri="{FF2B5EF4-FFF2-40B4-BE49-F238E27FC236}">
-                <a16:creationId xmlns:a16="http://schemas.microsoft.com/office/drawing/2014/main" id="{5A29E978-9605-417C-951F-53F4926CFF1A}"/>
-              </a:ext>
-            </a:extLst>
-          </p:cNvPr>
-          <p:cNvSpPr>
-            <a:spLocks noGrp="1"/>
-          </p:cNvSpPr>
-          <p:nvPr>
-            <p:ph type="title" idx="4294967295"/>
-          </p:nvPr>
-        </p:nvSpPr>
-        <p:spPr>
-          <a:xfrm>
-            <a:off x="2933971" y="2197646"/>
-            <a:ext cx="9610725" cy="601662"/>
-          </a:xfrm>
-        </p:spPr>
-        <p:txBody>
-          <a:bodyPr>
-            <a:noAutofit/>
-          </a:bodyPr>
-          <a:lstStyle/>
-          <a:p>
-            <a:r>
-              <a:rPr lang="en-US" sz="6600" cap="none" dirty="0" smtClean="0"/>
-              <a:t>Passing objects</a:t>
-            </a:r>
-            <a:endParaRPr lang="en-US" sz="6600" cap="none" dirty="0"/>
-          </a:p>
-        </p:txBody>
-      </p:sp>
       <p:pic>
         <p:nvPicPr>
-          <p:cNvPr id="7" name="Graphic 6" descr="Gears">
-            <a:extLst>
-              <a:ext uri="{FF2B5EF4-FFF2-40B4-BE49-F238E27FC236}">
-                <a16:creationId xmlns:a16="http://schemas.microsoft.com/office/drawing/2014/main" id="{DA9595F8-50AF-4C85-9BC5-B52646E113FB}"/>
-              </a:ext>
-            </a:extLst>
-          </p:cNvPr>
+          <p:cNvPr id="2" name="Picture 1"/>
           <p:cNvPicPr>
             <a:picLocks noChangeAspect="1"/>
           </p:cNvPicPr>
           <p:nvPr/>
         </p:nvPicPr>
         <p:blipFill>
-          <a:blip r:embed="rId2">
-            <a:extLst>
-              <a:ext uri="{96DAC541-7B7A-43D3-8B79-37D633B846F1}">
-                <asvg:svgBlip xmlns="" xmlns:asvg="http://schemas.microsoft.com/office/drawing/2016/SVG/main" r:embed="rId4"/>
-              </a:ext>
-            </a:extLst>
-          </a:blip>
+          <a:blip r:embed="rId2"/>
           <a:stretch>
             <a:fillRect/>
           </a:stretch>
         </p:blipFill>
         <p:spPr>
           <a:xfrm>
-            <a:off x="9616458" y="2197646"/>
-            <a:ext cx="1122450" cy="1122450"/>
+            <a:off x="1155791" y="576262"/>
+            <a:ext cx="4629150" cy="4791075"/>
           </a:xfrm>
           <a:prstGeom prst="rect">
             <a:avLst/>
           </a:prstGeom>
+          <a:ln>
+            <a:solidFill>
+              <a:schemeClr val="accent1"/>
+            </a:solidFill>
+          </a:ln>
+        </p:spPr>
+      </p:pic>
+      <p:pic>
+        <p:nvPicPr>
+          <p:cNvPr id="3" name="Picture 2"/>
+          <p:cNvPicPr>
+            <a:picLocks noChangeAspect="1"/>
+          </p:cNvPicPr>
+          <p:nvPr/>
+        </p:nvPicPr>
+        <p:blipFill>
+          <a:blip r:embed="rId3"/>
+          <a:stretch>
+            <a:fillRect/>
+          </a:stretch>
+        </p:blipFill>
+        <p:spPr>
+          <a:xfrm>
+            <a:off x="7300505" y="1506038"/>
+            <a:ext cx="3476352" cy="2216876"/>
+          </a:xfrm>
+          <a:prstGeom prst="rect">
+            <a:avLst/>
+          </a:prstGeom>
         </p:spPr>
       </p:pic>
       <p:sp>
@@ -5998,7 +6191,7 @@
         </p:nvSpPr>
         <p:spPr>
           <a:xfrm>
-            <a:off x="10761320" y="6333331"/>
+            <a:off x="9981432" y="6333331"/>
             <a:ext cx="9604375" cy="1049337"/>
           </a:xfrm>
           <a:prstGeom prst="rect">
@@ -6036,7 +6229,7 @@
                   <a:srgbClr val="E2DED9"/>
                 </a:solidFill>
               </a:rPr>
-              <a:t>Anvesh</a:t>
+              <a:t>VenkataSandeep</a:t>
             </a:r>
             <a:endParaRPr lang="en-US" sz="2000" cap="none" dirty="0">
               <a:solidFill>
@@ -6049,7 +6242,7 @@
     </p:spTree>
     <p:extLst>
       <p:ext uri="{BB962C8B-B14F-4D97-AF65-F5344CB8AC3E}">
-        <p14:creationId xmlns:p14="http://schemas.microsoft.com/office/powerpoint/2010/main" val="459600875"/>
+        <p14:creationId xmlns:p14="http://schemas.microsoft.com/office/powerpoint/2010/main" val="1318816999"/>
       </p:ext>
     </p:extLst>
   </p:cSld>
@@ -6083,54 +6276,78 @@
           <a:chExt cx="0" cy="0"/>
         </a:xfrm>
       </p:grpSpPr>
+      <p:sp>
+        <p:nvSpPr>
+          <p:cNvPr id="2" name="Title 1">
+            <a:extLst>
+              <a:ext uri="{FF2B5EF4-FFF2-40B4-BE49-F238E27FC236}">
+                <a16:creationId xmlns:a16="http://schemas.microsoft.com/office/drawing/2014/main" id="{5A29E978-9605-417C-951F-53F4926CFF1A}"/>
+              </a:ext>
+            </a:extLst>
+          </p:cNvPr>
+          <p:cNvSpPr>
+            <a:spLocks noGrp="1"/>
+          </p:cNvSpPr>
+          <p:nvPr>
+            <p:ph type="title" idx="4294967295"/>
+          </p:nvPr>
+        </p:nvSpPr>
+        <p:spPr>
+          <a:xfrm>
+            <a:off x="2933971" y="2197646"/>
+            <a:ext cx="9610725" cy="601662"/>
+          </a:xfrm>
+        </p:spPr>
+        <p:txBody>
+          <a:bodyPr>
+            <a:noAutofit/>
+          </a:bodyPr>
+          <a:lstStyle/>
+          <a:p>
+            <a:r>
+              <a:rPr lang="en-US" sz="6600" cap="none" dirty="0" smtClean="0"/>
+              <a:t>Passing objects</a:t>
+            </a:r>
+            <a:endParaRPr lang="en-US" sz="6600" cap="none" dirty="0"/>
+          </a:p>
+        </p:txBody>
+      </p:sp>
       <p:pic>
         <p:nvPicPr>
-          <p:cNvPr id="2" name="Picture 1"/>
+          <p:cNvPr id="7" name="Graphic 6" descr="Gears">
+            <a:extLst>
+              <a:ext uri="{FF2B5EF4-FFF2-40B4-BE49-F238E27FC236}">
+                <a16:creationId xmlns:a16="http://schemas.microsoft.com/office/drawing/2014/main" id="{DA9595F8-50AF-4C85-9BC5-B52646E113FB}"/>
+              </a:ext>
+            </a:extLst>
+          </p:cNvPr>
           <p:cNvPicPr>
             <a:picLocks noChangeAspect="1"/>
           </p:cNvPicPr>
           <p:nvPr/>
         </p:nvPicPr>
         <p:blipFill>
-          <a:blip r:embed="rId2"/>
+          <a:blip r:embed="rId2">
+            <a:extLst>
+              <a:ext uri="{96DAC541-7B7A-43D3-8B79-37D633B846F1}">
+                <asvg:svgBlip xmlns:asvg="http://schemas.microsoft.com/office/drawing/2016/SVG/main" xmlns="" r:embed="rId4"/>
+              </a:ext>
+            </a:extLst>
+          </a:blip>
           <a:stretch>
             <a:fillRect/>
           </a:stretch>
         </p:blipFill>
         <p:spPr>
           <a:xfrm>
-            <a:off x="951411" y="64226"/>
-            <a:ext cx="5638800" cy="5867400"/>
+            <a:off x="9616458" y="2197646"/>
+            <a:ext cx="1122450" cy="1122450"/>
           </a:xfrm>
           <a:prstGeom prst="rect">
             <a:avLst/>
           </a:prstGeom>
         </p:spPr>
       </p:pic>
-      <p:pic>
-        <p:nvPicPr>
-          <p:cNvPr id="3" name="Picture 2"/>
-          <p:cNvPicPr>
-            <a:picLocks noChangeAspect="1"/>
-          </p:cNvPicPr>
-          <p:nvPr/>
-        </p:nvPicPr>
-        <p:blipFill>
-          <a:blip r:embed="rId3"/>
-          <a:stretch>
-            <a:fillRect/>
-          </a:stretch>
-        </p:blipFill>
-        <p:spPr>
-          <a:xfrm>
-            <a:off x="7948884" y="2102576"/>
-            <a:ext cx="3400425" cy="1790700"/>
-          </a:xfrm>
-          <a:prstGeom prst="rect">
-            <a:avLst/>
-          </a:prstGeom>
-        </p:spPr>
-      </p:pic>
       <p:sp>
         <p:nvSpPr>
           <p:cNvPr id="4" name="Title 1">
@@ -6147,7 +6364,7 @@
         </p:nvSpPr>
         <p:spPr>
           <a:xfrm>
-            <a:off x="10613444" y="6333331"/>
+            <a:off x="10761320" y="6333331"/>
             <a:ext cx="9604375" cy="1049337"/>
           </a:xfrm>
           <a:prstGeom prst="rect">
@@ -6198,7 +6415,7 @@
     </p:spTree>
     <p:extLst>
       <p:ext uri="{BB962C8B-B14F-4D97-AF65-F5344CB8AC3E}">
-        <p14:creationId xmlns:p14="http://schemas.microsoft.com/office/powerpoint/2010/main" val="3052645090"/>
+        <p14:creationId xmlns:p14="http://schemas.microsoft.com/office/powerpoint/2010/main" val="459600875"/>
       </p:ext>
     </p:extLst>
   </p:cSld>
@@ -6232,78 +6449,54 @@
           <a:chExt cx="0" cy="0"/>
         </a:xfrm>
       </p:grpSpPr>
-      <p:sp>
-        <p:nvSpPr>
-          <p:cNvPr id="2" name="Title 1">
-            <a:extLst>
-              <a:ext uri="{FF2B5EF4-FFF2-40B4-BE49-F238E27FC236}">
-                <a16:creationId xmlns:a16="http://schemas.microsoft.com/office/drawing/2014/main" id="{5A29E978-9605-417C-951F-53F4926CFF1A}"/>
-              </a:ext>
-            </a:extLst>
-          </p:cNvPr>
-          <p:cNvSpPr>
-            <a:spLocks noGrp="1"/>
-          </p:cNvSpPr>
-          <p:nvPr>
-            <p:ph type="title" idx="4294967295"/>
-          </p:nvPr>
-        </p:nvSpPr>
-        <p:spPr>
-          <a:xfrm>
-            <a:off x="1954257" y="2213795"/>
-            <a:ext cx="9610725" cy="601662"/>
-          </a:xfrm>
-        </p:spPr>
-        <p:txBody>
-          <a:bodyPr>
-            <a:noAutofit/>
-          </a:bodyPr>
-          <a:lstStyle/>
-          <a:p>
-            <a:r>
-              <a:rPr lang="en-US" sz="6600" cap="none" dirty="0" smtClean="0"/>
-              <a:t>Getting data from DB</a:t>
-            </a:r>
-            <a:endParaRPr lang="en-US" sz="6600" cap="none" dirty="0"/>
-          </a:p>
-        </p:txBody>
-      </p:sp>
       <p:pic>
         <p:nvPicPr>
-          <p:cNvPr id="7" name="Graphic 6" descr="Gears">
-            <a:extLst>
-              <a:ext uri="{FF2B5EF4-FFF2-40B4-BE49-F238E27FC236}">
-                <a16:creationId xmlns:a16="http://schemas.microsoft.com/office/drawing/2014/main" id="{DA9595F8-50AF-4C85-9BC5-B52646E113FB}"/>
-              </a:ext>
-            </a:extLst>
-          </p:cNvPr>
+          <p:cNvPr id="2" name="Picture 1"/>
           <p:cNvPicPr>
             <a:picLocks noChangeAspect="1"/>
           </p:cNvPicPr>
           <p:nvPr/>
         </p:nvPicPr>
         <p:blipFill>
-          <a:blip r:embed="rId2">
-            <a:extLst>
-              <a:ext uri="{96DAC541-7B7A-43D3-8B79-37D633B846F1}">
-                <asvg:svgBlip xmlns="" xmlns:asvg="http://schemas.microsoft.com/office/drawing/2016/SVG/main" r:embed="rId4"/>
-              </a:ext>
-            </a:extLst>
-          </a:blip>
+          <a:blip r:embed="rId2"/>
           <a:stretch>
             <a:fillRect/>
           </a:stretch>
         </p:blipFill>
         <p:spPr>
           <a:xfrm>
-            <a:off x="9616458" y="2197646"/>
-            <a:ext cx="1122450" cy="1122450"/>
+            <a:off x="951411" y="64226"/>
+            <a:ext cx="5638800" cy="5867400"/>
           </a:xfrm>
           <a:prstGeom prst="rect">
             <a:avLst/>
           </a:prstGeom>
         </p:spPr>
       </p:pic>
+      <p:pic>
+        <p:nvPicPr>
+          <p:cNvPr id="3" name="Picture 2"/>
+          <p:cNvPicPr>
+            <a:picLocks noChangeAspect="1"/>
+          </p:cNvPicPr>
+          <p:nvPr/>
+        </p:nvPicPr>
+        <p:blipFill>
+          <a:blip r:embed="rId3"/>
+          <a:stretch>
+            <a:fillRect/>
+          </a:stretch>
+        </p:blipFill>
+        <p:spPr>
+          <a:xfrm>
+            <a:off x="7948884" y="2102576"/>
+            <a:ext cx="3400425" cy="1790700"/>
+          </a:xfrm>
+          <a:prstGeom prst="rect">
+            <a:avLst/>
+          </a:prstGeom>
+        </p:spPr>
+      </p:pic>
       <p:sp>
         <p:nvSpPr>
           <p:cNvPr id="4" name="Title 1">
@@ -6320,7 +6513,7 @@
         </p:nvSpPr>
         <p:spPr>
           <a:xfrm>
-            <a:off x="11151326" y="6333331"/>
+            <a:off x="10613444" y="6333331"/>
             <a:ext cx="9604375" cy="1049337"/>
           </a:xfrm>
           <a:prstGeom prst="rect">
@@ -6353,12 +6546,12 @@
           </a:lstStyle>
           <a:p>
             <a:r>
-              <a:rPr lang="en-US" sz="2000" cap="none" dirty="0" smtClean="0">
+              <a:rPr lang="en-US" sz="2000" cap="none" dirty="0" err="1" smtClean="0">
                 <a:solidFill>
                   <a:srgbClr val="E2DED9"/>
                 </a:solidFill>
               </a:rPr>
-              <a:t>Pavan</a:t>
+              <a:t>Anvesh</a:t>
             </a:r>
             <a:endParaRPr lang="en-US" sz="2000" cap="none" dirty="0">
               <a:solidFill>
@@ -6371,7 +6564,7 @@
     </p:spTree>
     <p:extLst>
       <p:ext uri="{BB962C8B-B14F-4D97-AF65-F5344CB8AC3E}">
-        <p14:creationId xmlns:p14="http://schemas.microsoft.com/office/powerpoint/2010/main" val="520817570"/>
+        <p14:creationId xmlns:p14="http://schemas.microsoft.com/office/powerpoint/2010/main" val="3052645090"/>
       </p:ext>
     </p:extLst>
   </p:cSld>
@@ -6634,15 +6827,6 @@
 </file>
 
 <file path=customXml/item1.xml><?xml version="1.0" encoding="utf-8"?>
-<p:properties xmlns:p="http://schemas.microsoft.com/office/2006/metadata/properties" xmlns:xsi="http://www.w3.org/2001/XMLSchema-instance" xmlns:pc="http://schemas.microsoft.com/office/infopath/2007/PartnerControls">
-  <documentManagement>
-    <_ip_UnifiedCompliancePolicyUIAction xmlns="http://schemas.microsoft.com/sharepoint/v3" xsi:nil="true"/>
-    <_ip_UnifiedCompliancePolicyProperties xmlns="http://schemas.microsoft.com/sharepoint/v3" xsi:nil="true"/>
-  </documentManagement>
-</p:properties>
-</file>
-
-<file path=customXml/item2.xml><?xml version="1.0" encoding="utf-8"?>
 <ct:contentTypeSchema xmlns:ct="http://schemas.microsoft.com/office/2006/metadata/contentType" xmlns:ma="http://schemas.microsoft.com/office/2006/metadata/properties/metaAttributes" ct:_="" ma:_="" ma:contentTypeName="Document" ma:contentTypeID="0x010100DEEA25CC0A0AC24199CDC46C25B8B0BC" ma:contentTypeVersion="10" ma:contentTypeDescription="Create a new document." ma:contentTypeScope="" ma:versionID="e3b47856d4cf355c0dacb39e1084d14f">
   <xsd:schema xmlns:xsd="http://www.w3.org/2001/XMLSchema" xmlns:xs="http://www.w3.org/2001/XMLSchema" xmlns:p="http://schemas.microsoft.com/office/2006/metadata/properties" xmlns:ns1="http://schemas.microsoft.com/sharepoint/v3" xmlns:ns2="6dc4bcd6-49db-4c07-9060-8acfc67cef9f" xmlns:ns3="fb0879af-3eba-417a-a55a-ffe6dcd6ca77" targetNamespace="http://schemas.microsoft.com/office/2006/metadata/properties" ma:root="true" ma:fieldsID="a845a615265fdb1f7b12cc65ac20ecbd" ns1:_="" ns2:_="" ns3:_="">
     <xsd:import namespace="http://schemas.microsoft.com/sharepoint/v3"/>
@@ -6850,6 +7034,15 @@
 </ct:contentTypeSchema>
 </file>
 
+<file path=customXml/item2.xml><?xml version="1.0" encoding="utf-8"?>
+<p:properties xmlns:p="http://schemas.microsoft.com/office/2006/metadata/properties" xmlns:xsi="http://www.w3.org/2001/XMLSchema-instance" xmlns:pc="http://schemas.microsoft.com/office/infopath/2007/PartnerControls">
+  <documentManagement>
+    <_ip_UnifiedCompliancePolicyUIAction xmlns="http://schemas.microsoft.com/sharepoint/v3" xsi:nil="true"/>
+    <_ip_UnifiedCompliancePolicyProperties xmlns="http://schemas.microsoft.com/sharepoint/v3" xsi:nil="true"/>
+  </documentManagement>
+</p:properties>
+</file>
+
 <file path=customXml/item3.xml><?xml version="1.0" encoding="utf-8"?>
 <?mso-contentType ?>
 <FormTemplates xmlns="http://schemas.microsoft.com/sharepoint/v3/contenttype/forms">
@@ -6860,16 +7053,6 @@
 </file>
 
 <file path=customXml/itemProps1.xml><?xml version="1.0" encoding="utf-8"?>
-<ds:datastoreItem xmlns:ds="http://schemas.openxmlformats.org/officeDocument/2006/customXml" ds:itemID="{816B76F2-1AE1-4A2A-A5B3-D462CC5E81F8}">
-  <ds:schemaRefs>
-    <ds:schemaRef ds:uri="http://schemas.microsoft.com/office/2006/metadata/properties"/>
-    <ds:schemaRef ds:uri="http://schemas.microsoft.com/office/infopath/2007/PartnerControls"/>
-    <ds:schemaRef ds:uri="http://schemas.microsoft.com/sharepoint/v3"/>
-  </ds:schemaRefs>
-</ds:datastoreItem>
-</file>
-
-<file path=customXml/itemProps2.xml><?xml version="1.0" encoding="utf-8"?>
 <ds:datastoreItem xmlns:ds="http://schemas.openxmlformats.org/officeDocument/2006/customXml" ds:itemID="{D2BAE40F-4B14-4E0B-9265-745AD5E2D42F}">
   <ds:schemaRefs>
     <ds:schemaRef ds:uri="http://schemas.microsoft.com/office/2006/metadata/contentType"/>
@@ -6889,6 +7072,24 @@
 </ds:datastoreItem>
 </file>
 
+<file path=customXml/itemProps2.xml><?xml version="1.0" encoding="utf-8"?>
+<ds:datastoreItem xmlns:ds="http://schemas.openxmlformats.org/officeDocument/2006/customXml" ds:itemID="{816B76F2-1AE1-4A2A-A5B3-D462CC5E81F8}">
+  <ds:schemaRefs>
+    <ds:schemaRef ds:uri="fb0879af-3eba-417a-a55a-ffe6dcd6ca77"/>
+    <ds:schemaRef ds:uri="http://purl.org/dc/elements/1.1/"/>
+    <ds:schemaRef ds:uri="http://schemas.microsoft.com/office/2006/metadata/properties"/>
+    <ds:schemaRef ds:uri="http://schemas.microsoft.com/sharepoint/v3"/>
+    <ds:schemaRef ds:uri="http://schemas.microsoft.com/office/2006/documentManagement/types"/>
+    <ds:schemaRef ds:uri="http://purl.org/dc/terms/"/>
+    <ds:schemaRef ds:uri="6dc4bcd6-49db-4c07-9060-8acfc67cef9f"/>
+    <ds:schemaRef ds:uri="http://purl.org/dc/dcmitype/"/>
+    <ds:schemaRef ds:uri="http://schemas.microsoft.com/office/infopath/2007/PartnerControls"/>
+    <ds:schemaRef ds:uri="http://schemas.openxmlformats.org/package/2006/metadata/core-properties"/>
+    <ds:schemaRef ds:uri="http://www.w3.org/XML/1998/namespace"/>
+  </ds:schemaRefs>
+</ds:datastoreItem>
+</file>
+
 <file path=customXml/itemProps3.xml><?xml version="1.0" encoding="utf-8"?>
 <ds:datastoreItem xmlns:ds="http://schemas.openxmlformats.org/officeDocument/2006/customXml" ds:itemID="{30ECC70E-6674-4337-B48B-AF4F8832F1E5}">
   <ds:schemaRefs>

--- a/Docs/Seeding an express APP.pptx
+++ b/Docs/Seeding an express APP.pptx
@@ -3991,6 +3991,145 @@
           </a:p>
         </p:txBody>
       </p:sp>
+      <p:sp>
+        <p:nvSpPr>
+          <p:cNvPr id="3" name="Title 1">
+            <a:extLst>
+              <a:ext uri="{FF2B5EF4-FFF2-40B4-BE49-F238E27FC236}">
+                <a16:creationId xmlns:a16="http://schemas.microsoft.com/office/drawing/2014/main" id="{B569CD3E-5E33-4EB5-A2CE-C636605E633F}"/>
+              </a:ext>
+            </a:extLst>
+          </p:cNvPr>
+          <p:cNvSpPr txBox="1">
+            <a:spLocks/>
+          </p:cNvSpPr>
+          <p:nvPr/>
+        </p:nvSpPr>
+        <p:spPr>
+          <a:xfrm>
+            <a:off x="9915298" y="6333331"/>
+            <a:ext cx="9604375" cy="1049337"/>
+          </a:xfrm>
+          <a:prstGeom prst="rect">
+            <a:avLst/>
+          </a:prstGeom>
+        </p:spPr>
+        <p:txBody>
+          <a:bodyPr vert="horz" lIns="91440" tIns="45720" rIns="91440" bIns="45720" rtlCol="0" anchor="t">
+            <a:noAutofit/>
+          </a:bodyPr>
+          <a:lstStyle>
+            <a:defPPr>
+              <a:defRPr lang="en-US"/>
+            </a:defPPr>
+            <a:lvl1pPr marL="0" algn="l" defTabSz="457200" rtl="0" eaLnBrk="1" latinLnBrk="0" hangingPunct="1">
+              <a:defRPr sz="1800" kern="1200">
+                <a:solidFill>
+                  <a:schemeClr val="tx1"/>
+                </a:solidFill>
+                <a:latin typeface="+mn-lt"/>
+                <a:ea typeface="+mn-ea"/>
+                <a:cs typeface="+mn-cs"/>
+              </a:defRPr>
+            </a:lvl1pPr>
+            <a:lvl2pPr marL="457200" algn="l" defTabSz="457200" rtl="0" eaLnBrk="1" latinLnBrk="0" hangingPunct="1">
+              <a:defRPr sz="1800" kern="1200">
+                <a:solidFill>
+                  <a:schemeClr val="tx1"/>
+                </a:solidFill>
+                <a:latin typeface="+mn-lt"/>
+                <a:ea typeface="+mn-ea"/>
+                <a:cs typeface="+mn-cs"/>
+              </a:defRPr>
+            </a:lvl2pPr>
+            <a:lvl3pPr marL="914400" algn="l" defTabSz="457200" rtl="0" eaLnBrk="1" latinLnBrk="0" hangingPunct="1">
+              <a:defRPr sz="1800" kern="1200">
+                <a:solidFill>
+                  <a:schemeClr val="tx1"/>
+                </a:solidFill>
+                <a:latin typeface="+mn-lt"/>
+                <a:ea typeface="+mn-ea"/>
+                <a:cs typeface="+mn-cs"/>
+              </a:defRPr>
+            </a:lvl3pPr>
+            <a:lvl4pPr marL="1371600" algn="l" defTabSz="457200" rtl="0" eaLnBrk="1" latinLnBrk="0" hangingPunct="1">
+              <a:defRPr sz="1800" kern="1200">
+                <a:solidFill>
+                  <a:schemeClr val="tx1"/>
+                </a:solidFill>
+                <a:latin typeface="+mn-lt"/>
+                <a:ea typeface="+mn-ea"/>
+                <a:cs typeface="+mn-cs"/>
+              </a:defRPr>
+            </a:lvl4pPr>
+            <a:lvl5pPr marL="1828800" algn="l" defTabSz="457200" rtl="0" eaLnBrk="1" latinLnBrk="0" hangingPunct="1">
+              <a:defRPr sz="1800" kern="1200">
+                <a:solidFill>
+                  <a:schemeClr val="tx1"/>
+                </a:solidFill>
+                <a:latin typeface="+mn-lt"/>
+                <a:ea typeface="+mn-ea"/>
+                <a:cs typeface="+mn-cs"/>
+              </a:defRPr>
+            </a:lvl5pPr>
+            <a:lvl6pPr marL="2286000" algn="l" defTabSz="457200" rtl="0" eaLnBrk="1" latinLnBrk="0" hangingPunct="1">
+              <a:defRPr sz="1800" kern="1200">
+                <a:solidFill>
+                  <a:schemeClr val="tx1"/>
+                </a:solidFill>
+                <a:latin typeface="+mn-lt"/>
+                <a:ea typeface="+mn-ea"/>
+                <a:cs typeface="+mn-cs"/>
+              </a:defRPr>
+            </a:lvl6pPr>
+            <a:lvl7pPr marL="2743200" algn="l" defTabSz="457200" rtl="0" eaLnBrk="1" latinLnBrk="0" hangingPunct="1">
+              <a:defRPr sz="1800" kern="1200">
+                <a:solidFill>
+                  <a:schemeClr val="tx1"/>
+                </a:solidFill>
+                <a:latin typeface="+mn-lt"/>
+                <a:ea typeface="+mn-ea"/>
+                <a:cs typeface="+mn-cs"/>
+              </a:defRPr>
+            </a:lvl7pPr>
+            <a:lvl8pPr marL="3200400" algn="l" defTabSz="457200" rtl="0" eaLnBrk="1" latinLnBrk="0" hangingPunct="1">
+              <a:defRPr sz="1800" kern="1200">
+                <a:solidFill>
+                  <a:schemeClr val="tx1"/>
+                </a:solidFill>
+                <a:latin typeface="+mn-lt"/>
+                <a:ea typeface="+mn-ea"/>
+                <a:cs typeface="+mn-cs"/>
+              </a:defRPr>
+            </a:lvl8pPr>
+            <a:lvl9pPr marL="3657600" algn="l" defTabSz="457200" rtl="0" eaLnBrk="1" latinLnBrk="0" hangingPunct="1">
+              <a:defRPr sz="1800" kern="1200">
+                <a:solidFill>
+                  <a:schemeClr val="tx1"/>
+                </a:solidFill>
+                <a:latin typeface="+mn-lt"/>
+                <a:ea typeface="+mn-ea"/>
+                <a:cs typeface="+mn-cs"/>
+              </a:defRPr>
+            </a:lvl9pPr>
+          </a:lstStyle>
+          <a:p>
+            <a:r>
+              <a:rPr lang="en-US" sz="2000" cap="none" dirty="0" err="1" smtClean="0">
+                <a:solidFill>
+                  <a:srgbClr val="E2DED9"/>
+                </a:solidFill>
+              </a:rPr>
+              <a:t>VenkataSandeep</a:t>
+            </a:r>
+            <a:endParaRPr lang="en-US" sz="2000" cap="none" dirty="0">
+              <a:solidFill>
+                <a:srgbClr val="E2DED9"/>
+              </a:solidFill>
+            </a:endParaRPr>
+          </a:p>
+        </p:txBody>
+      </p:sp>
     </p:spTree>
     <p:extLst>
       <p:ext uri="{BB962C8B-B14F-4D97-AF65-F5344CB8AC3E}">
@@ -4082,7 +4221,7 @@
           <a:blip r:embed="rId2">
             <a:extLst>
               <a:ext uri="{96DAC541-7B7A-43D3-8B79-37D633B846F1}">
-                <asvg:svgBlip xmlns:asvg="http://schemas.microsoft.com/office/drawing/2016/SVG/main" xmlns="" r:embed="rId4"/>
+                <asvg:svgBlip xmlns="" xmlns:asvg="http://schemas.microsoft.com/office/drawing/2016/SVG/main" r:embed="rId4"/>
               </a:ext>
             </a:extLst>
           </a:blip>
@@ -4469,7 +4608,7 @@
           <a:blip r:embed="rId2">
             <a:extLst>
               <a:ext uri="{96DAC541-7B7A-43D3-8B79-37D633B846F1}">
-                <asvg:svgBlip xmlns:asvg="http://schemas.microsoft.com/office/drawing/2016/SVG/main" xmlns="" r:embed="rId4"/>
+                <asvg:svgBlip xmlns="" xmlns:asvg="http://schemas.microsoft.com/office/drawing/2016/SVG/main" r:embed="rId4"/>
               </a:ext>
             </a:extLst>
           </a:blip>
@@ -5315,6 +5454,145 @@
           </a:prstGeom>
         </p:spPr>
       </p:pic>
+      <p:sp>
+        <p:nvSpPr>
+          <p:cNvPr id="10" name="Title 1">
+            <a:extLst>
+              <a:ext uri="{FF2B5EF4-FFF2-40B4-BE49-F238E27FC236}">
+                <a16:creationId xmlns:a16="http://schemas.microsoft.com/office/drawing/2014/main" id="{B569CD3E-5E33-4EB5-A2CE-C636605E633F}"/>
+              </a:ext>
+            </a:extLst>
+          </p:cNvPr>
+          <p:cNvSpPr txBox="1">
+            <a:spLocks/>
+          </p:cNvSpPr>
+          <p:nvPr/>
+        </p:nvSpPr>
+        <p:spPr>
+          <a:xfrm>
+            <a:off x="10175617" y="6333331"/>
+            <a:ext cx="9604375" cy="1049337"/>
+          </a:xfrm>
+          <a:prstGeom prst="rect">
+            <a:avLst/>
+          </a:prstGeom>
+        </p:spPr>
+        <p:txBody>
+          <a:bodyPr vert="horz" lIns="91440" tIns="45720" rIns="91440" bIns="45720" rtlCol="0" anchor="t">
+            <a:noAutofit/>
+          </a:bodyPr>
+          <a:lstStyle>
+            <a:defPPr>
+              <a:defRPr lang="en-US"/>
+            </a:defPPr>
+            <a:lvl1pPr marL="0" algn="l" defTabSz="457200" rtl="0" eaLnBrk="1" latinLnBrk="0" hangingPunct="1">
+              <a:defRPr sz="1800" kern="1200">
+                <a:solidFill>
+                  <a:schemeClr val="tx1"/>
+                </a:solidFill>
+                <a:latin typeface="+mn-lt"/>
+                <a:ea typeface="+mn-ea"/>
+                <a:cs typeface="+mn-cs"/>
+              </a:defRPr>
+            </a:lvl1pPr>
+            <a:lvl2pPr marL="457200" algn="l" defTabSz="457200" rtl="0" eaLnBrk="1" latinLnBrk="0" hangingPunct="1">
+              <a:defRPr sz="1800" kern="1200">
+                <a:solidFill>
+                  <a:schemeClr val="tx1"/>
+                </a:solidFill>
+                <a:latin typeface="+mn-lt"/>
+                <a:ea typeface="+mn-ea"/>
+                <a:cs typeface="+mn-cs"/>
+              </a:defRPr>
+            </a:lvl2pPr>
+            <a:lvl3pPr marL="914400" algn="l" defTabSz="457200" rtl="0" eaLnBrk="1" latinLnBrk="0" hangingPunct="1">
+              <a:defRPr sz="1800" kern="1200">
+                <a:solidFill>
+                  <a:schemeClr val="tx1"/>
+                </a:solidFill>
+                <a:latin typeface="+mn-lt"/>
+                <a:ea typeface="+mn-ea"/>
+                <a:cs typeface="+mn-cs"/>
+              </a:defRPr>
+            </a:lvl3pPr>
+            <a:lvl4pPr marL="1371600" algn="l" defTabSz="457200" rtl="0" eaLnBrk="1" latinLnBrk="0" hangingPunct="1">
+              <a:defRPr sz="1800" kern="1200">
+                <a:solidFill>
+                  <a:schemeClr val="tx1"/>
+                </a:solidFill>
+                <a:latin typeface="+mn-lt"/>
+                <a:ea typeface="+mn-ea"/>
+                <a:cs typeface="+mn-cs"/>
+              </a:defRPr>
+            </a:lvl4pPr>
+            <a:lvl5pPr marL="1828800" algn="l" defTabSz="457200" rtl="0" eaLnBrk="1" latinLnBrk="0" hangingPunct="1">
+              <a:defRPr sz="1800" kern="1200">
+                <a:solidFill>
+                  <a:schemeClr val="tx1"/>
+                </a:solidFill>
+                <a:latin typeface="+mn-lt"/>
+                <a:ea typeface="+mn-ea"/>
+                <a:cs typeface="+mn-cs"/>
+              </a:defRPr>
+            </a:lvl5pPr>
+            <a:lvl6pPr marL="2286000" algn="l" defTabSz="457200" rtl="0" eaLnBrk="1" latinLnBrk="0" hangingPunct="1">
+              <a:defRPr sz="1800" kern="1200">
+                <a:solidFill>
+                  <a:schemeClr val="tx1"/>
+                </a:solidFill>
+                <a:latin typeface="+mn-lt"/>
+                <a:ea typeface="+mn-ea"/>
+                <a:cs typeface="+mn-cs"/>
+              </a:defRPr>
+            </a:lvl6pPr>
+            <a:lvl7pPr marL="2743200" algn="l" defTabSz="457200" rtl="0" eaLnBrk="1" latinLnBrk="0" hangingPunct="1">
+              <a:defRPr sz="1800" kern="1200">
+                <a:solidFill>
+                  <a:schemeClr val="tx1"/>
+                </a:solidFill>
+                <a:latin typeface="+mn-lt"/>
+                <a:ea typeface="+mn-ea"/>
+                <a:cs typeface="+mn-cs"/>
+              </a:defRPr>
+            </a:lvl7pPr>
+            <a:lvl8pPr marL="3200400" algn="l" defTabSz="457200" rtl="0" eaLnBrk="1" latinLnBrk="0" hangingPunct="1">
+              <a:defRPr sz="1800" kern="1200">
+                <a:solidFill>
+                  <a:schemeClr val="tx1"/>
+                </a:solidFill>
+                <a:latin typeface="+mn-lt"/>
+                <a:ea typeface="+mn-ea"/>
+                <a:cs typeface="+mn-cs"/>
+              </a:defRPr>
+            </a:lvl8pPr>
+            <a:lvl9pPr marL="3657600" algn="l" defTabSz="457200" rtl="0" eaLnBrk="1" latinLnBrk="0" hangingPunct="1">
+              <a:defRPr sz="1800" kern="1200">
+                <a:solidFill>
+                  <a:schemeClr val="tx1"/>
+                </a:solidFill>
+                <a:latin typeface="+mn-lt"/>
+                <a:ea typeface="+mn-ea"/>
+                <a:cs typeface="+mn-cs"/>
+              </a:defRPr>
+            </a:lvl9pPr>
+          </a:lstStyle>
+          <a:p>
+            <a:r>
+              <a:rPr lang="en-US" sz="2000" cap="none" dirty="0" err="1" smtClean="0">
+                <a:solidFill>
+                  <a:srgbClr val="E2DED9"/>
+                </a:solidFill>
+              </a:rPr>
+              <a:t>VenkataSandeep</a:t>
+            </a:r>
+            <a:endParaRPr lang="en-US" sz="2000" cap="none" dirty="0">
+              <a:solidFill>
+                <a:srgbClr val="E2DED9"/>
+              </a:solidFill>
+            </a:endParaRPr>
+          </a:p>
+        </p:txBody>
+      </p:sp>
     </p:spTree>
     <p:extLst>
       <p:ext uri="{BB962C8B-B14F-4D97-AF65-F5344CB8AC3E}">
@@ -5406,7 +5684,7 @@
           <a:blip r:embed="rId2">
             <a:extLst>
               <a:ext uri="{96DAC541-7B7A-43D3-8B79-37D633B846F1}">
-                <asvg:svgBlip xmlns:asvg="http://schemas.microsoft.com/office/drawing/2016/SVG/main" xmlns="" r:embed="rId4"/>
+                <asvg:svgBlip xmlns="" xmlns:asvg="http://schemas.microsoft.com/office/drawing/2016/SVG/main" r:embed="rId4"/>
               </a:ext>
             </a:extLst>
           </a:blip>
@@ -5635,7 +5913,7 @@
           <a:blip r:embed="rId2">
             <a:extLst>
               <a:ext uri="{96DAC541-7B7A-43D3-8B79-37D633B846F1}">
-                <asvg:svgBlip xmlns:asvg="http://schemas.microsoft.com/office/drawing/2016/SVG/main" xmlns="" r:embed="rId4"/>
+                <asvg:svgBlip xmlns="" xmlns:asvg="http://schemas.microsoft.com/office/drawing/2016/SVG/main" r:embed="rId4"/>
               </a:ext>
             </a:extLst>
           </a:blip>
@@ -6003,7 +6281,7 @@
           <a:blip r:embed="rId2">
             <a:extLst>
               <a:ext uri="{96DAC541-7B7A-43D3-8B79-37D633B846F1}">
-                <asvg:svgBlip xmlns:asvg="http://schemas.microsoft.com/office/drawing/2016/SVG/main" xmlns="" r:embed="rId4"/>
+                <asvg:svgBlip xmlns="" xmlns:asvg="http://schemas.microsoft.com/office/drawing/2016/SVG/main" r:embed="rId4"/>
               </a:ext>
             </a:extLst>
           </a:blip>
@@ -6330,7 +6608,7 @@
           <a:blip r:embed="rId2">
             <a:extLst>
               <a:ext uri="{96DAC541-7B7A-43D3-8B79-37D633B846F1}">
-                <asvg:svgBlip xmlns:asvg="http://schemas.microsoft.com/office/drawing/2016/SVG/main" xmlns="" r:embed="rId4"/>
+                <asvg:svgBlip xmlns="" xmlns:asvg="http://schemas.microsoft.com/office/drawing/2016/SVG/main" r:embed="rId4"/>
               </a:ext>
             </a:extLst>
           </a:blip>
@@ -6827,6 +7105,15 @@
 </file>
 
 <file path=customXml/item1.xml><?xml version="1.0" encoding="utf-8"?>
+<p:properties xmlns:p="http://schemas.microsoft.com/office/2006/metadata/properties" xmlns:xsi="http://www.w3.org/2001/XMLSchema-instance" xmlns:pc="http://schemas.microsoft.com/office/infopath/2007/PartnerControls">
+  <documentManagement>
+    <_ip_UnifiedCompliancePolicyUIAction xmlns="http://schemas.microsoft.com/sharepoint/v3" xsi:nil="true"/>
+    <_ip_UnifiedCompliancePolicyProperties xmlns="http://schemas.microsoft.com/sharepoint/v3" xsi:nil="true"/>
+  </documentManagement>
+</p:properties>
+</file>
+
+<file path=customXml/item2.xml><?xml version="1.0" encoding="utf-8"?>
 <ct:contentTypeSchema xmlns:ct="http://schemas.microsoft.com/office/2006/metadata/contentType" xmlns:ma="http://schemas.microsoft.com/office/2006/metadata/properties/metaAttributes" ct:_="" ma:_="" ma:contentTypeName="Document" ma:contentTypeID="0x010100DEEA25CC0A0AC24199CDC46C25B8B0BC" ma:contentTypeVersion="10" ma:contentTypeDescription="Create a new document." ma:contentTypeScope="" ma:versionID="e3b47856d4cf355c0dacb39e1084d14f">
   <xsd:schema xmlns:xsd="http://www.w3.org/2001/XMLSchema" xmlns:xs="http://www.w3.org/2001/XMLSchema" xmlns:p="http://schemas.microsoft.com/office/2006/metadata/properties" xmlns:ns1="http://schemas.microsoft.com/sharepoint/v3" xmlns:ns2="6dc4bcd6-49db-4c07-9060-8acfc67cef9f" xmlns:ns3="fb0879af-3eba-417a-a55a-ffe6dcd6ca77" targetNamespace="http://schemas.microsoft.com/office/2006/metadata/properties" ma:root="true" ma:fieldsID="a845a615265fdb1f7b12cc65ac20ecbd" ns1:_="" ns2:_="" ns3:_="">
     <xsd:import namespace="http://schemas.microsoft.com/sharepoint/v3"/>
@@ -7034,15 +7321,6 @@
 </ct:contentTypeSchema>
 </file>
 
-<file path=customXml/item2.xml><?xml version="1.0" encoding="utf-8"?>
-<p:properties xmlns:p="http://schemas.microsoft.com/office/2006/metadata/properties" xmlns:xsi="http://www.w3.org/2001/XMLSchema-instance" xmlns:pc="http://schemas.microsoft.com/office/infopath/2007/PartnerControls">
-  <documentManagement>
-    <_ip_UnifiedCompliancePolicyUIAction xmlns="http://schemas.microsoft.com/sharepoint/v3" xsi:nil="true"/>
-    <_ip_UnifiedCompliancePolicyProperties xmlns="http://schemas.microsoft.com/sharepoint/v3" xsi:nil="true"/>
-  </documentManagement>
-</p:properties>
-</file>
-
 <file path=customXml/item3.xml><?xml version="1.0" encoding="utf-8"?>
 <?mso-contentType ?>
 <FormTemplates xmlns="http://schemas.microsoft.com/sharepoint/v3/contenttype/forms">
@@ -7053,6 +7331,24 @@
 </file>
 
 <file path=customXml/itemProps1.xml><?xml version="1.0" encoding="utf-8"?>
+<ds:datastoreItem xmlns:ds="http://schemas.openxmlformats.org/officeDocument/2006/customXml" ds:itemID="{816B76F2-1AE1-4A2A-A5B3-D462CC5E81F8}">
+  <ds:schemaRefs>
+    <ds:schemaRef ds:uri="fb0879af-3eba-417a-a55a-ffe6dcd6ca77"/>
+    <ds:schemaRef ds:uri="http://purl.org/dc/elements/1.1/"/>
+    <ds:schemaRef ds:uri="http://schemas.microsoft.com/office/2006/metadata/properties"/>
+    <ds:schemaRef ds:uri="http://schemas.microsoft.com/sharepoint/v3"/>
+    <ds:schemaRef ds:uri="http://schemas.microsoft.com/office/2006/documentManagement/types"/>
+    <ds:schemaRef ds:uri="http://purl.org/dc/terms/"/>
+    <ds:schemaRef ds:uri="6dc4bcd6-49db-4c07-9060-8acfc67cef9f"/>
+    <ds:schemaRef ds:uri="http://purl.org/dc/dcmitype/"/>
+    <ds:schemaRef ds:uri="http://schemas.microsoft.com/office/infopath/2007/PartnerControls"/>
+    <ds:schemaRef ds:uri="http://schemas.openxmlformats.org/package/2006/metadata/core-properties"/>
+    <ds:schemaRef ds:uri="http://www.w3.org/XML/1998/namespace"/>
+  </ds:schemaRefs>
+</ds:datastoreItem>
+</file>
+
+<file path=customXml/itemProps2.xml><?xml version="1.0" encoding="utf-8"?>
 <ds:datastoreItem xmlns:ds="http://schemas.openxmlformats.org/officeDocument/2006/customXml" ds:itemID="{D2BAE40F-4B14-4E0B-9265-745AD5E2D42F}">
   <ds:schemaRefs>
     <ds:schemaRef ds:uri="http://schemas.microsoft.com/office/2006/metadata/contentType"/>
@@ -7072,24 +7368,6 @@
 </ds:datastoreItem>
 </file>
 
-<file path=customXml/itemProps2.xml><?xml version="1.0" encoding="utf-8"?>
-<ds:datastoreItem xmlns:ds="http://schemas.openxmlformats.org/officeDocument/2006/customXml" ds:itemID="{816B76F2-1AE1-4A2A-A5B3-D462CC5E81F8}">
-  <ds:schemaRefs>
-    <ds:schemaRef ds:uri="fb0879af-3eba-417a-a55a-ffe6dcd6ca77"/>
-    <ds:schemaRef ds:uri="http://purl.org/dc/elements/1.1/"/>
-    <ds:schemaRef ds:uri="http://schemas.microsoft.com/office/2006/metadata/properties"/>
-    <ds:schemaRef ds:uri="http://schemas.microsoft.com/sharepoint/v3"/>
-    <ds:schemaRef ds:uri="http://schemas.microsoft.com/office/2006/documentManagement/types"/>
-    <ds:schemaRef ds:uri="http://purl.org/dc/terms/"/>
-    <ds:schemaRef ds:uri="6dc4bcd6-49db-4c07-9060-8acfc67cef9f"/>
-    <ds:schemaRef ds:uri="http://purl.org/dc/dcmitype/"/>
-    <ds:schemaRef ds:uri="http://schemas.microsoft.com/office/infopath/2007/PartnerControls"/>
-    <ds:schemaRef ds:uri="http://schemas.openxmlformats.org/package/2006/metadata/core-properties"/>
-    <ds:schemaRef ds:uri="http://www.w3.org/XML/1998/namespace"/>
-  </ds:schemaRefs>
-</ds:datastoreItem>
-</file>
-
 <file path=customXml/itemProps3.xml><?xml version="1.0" encoding="utf-8"?>
 <ds:datastoreItem xmlns:ds="http://schemas.openxmlformats.org/officeDocument/2006/customXml" ds:itemID="{30ECC70E-6674-4337-B48B-AF4F8832F1E5}">
   <ds:schemaRefs>
